--- a/Präsentation der Analysen.pptx
+++ b/Präsentation der Analysen.pptx
@@ -4343,7 +4343,13 @@
           <a:p>
             <a:r>
               <a:rPr lang="de-DE" sz="1200" b="1" dirty="0"/>
-              <a:t>Um besser zu verstehen, wie sich verschiedene Nutzer auf einer Website verhalten, wurden zuerst viele Informationen gesammelt – zum Beispiel:</a:t>
+              <a:t>Was wurde gemacht?</a:t>
+            </a:r>
+          </a:p>
+          <a:p>
+            <a:r>
+              <a:rPr lang="de-DE" sz="1200" b="1" dirty="0"/>
+              <a:t>Zunächst wurden verschiedene Kennzahlen pro Tag gesammelt – zum Beispiel:</a:t>
             </a:r>
           </a:p>
           <a:p>
@@ -4352,7 +4358,7 @@
           <a:p>
             <a:r>
               <a:rPr lang="de-DE" sz="1200" b="1" dirty="0"/>
-              <a:t>wie lange jemand auf der Seite bleibt,</a:t>
+              <a:t>Wie lange bleiben Besucher im Schnitt auf der Seite?</a:t>
             </a:r>
           </a:p>
           <a:p>
@@ -4361,7 +4367,7 @@
           <a:p>
             <a:r>
               <a:rPr lang="de-DE" sz="1200" b="1" dirty="0"/>
-              <a:t>wie viele Seiten er sich anschaut</a:t>
+              <a:t>Wie viele Seiten werden pro Sitzung aufgerufen?</a:t>
             </a:r>
           </a:p>
           <a:p>
@@ -4370,7 +4376,15 @@
           <a:p>
             <a:r>
               <a:rPr lang="de-DE" sz="1200" b="1" dirty="0"/>
-              <a:t>und ob er mit dem Handy, dem Tablet oder dem Computer unterwegs ist.</a:t>
+              <a:t>Wie viele Besucher kommen über Google, direkt oder über </a:t>
+            </a:r>
+            <a:r>
+              <a:rPr lang="de-DE" sz="1200" b="1" dirty="0" err="1"/>
+              <a:t>Social</a:t>
+            </a:r>
+            <a:r>
+              <a:rPr lang="de-DE" sz="1200" b="1" dirty="0"/>
+              <a:t> Media?</a:t>
             </a:r>
           </a:p>
           <a:p>
@@ -4379,7 +4393,7 @@
           <a:p>
             <a:r>
               <a:rPr lang="de-DE" sz="1200" b="1" dirty="0"/>
-              <a:t>Man kann sich das vorstellen wie eine große Kiste voller Zettel: Auf jedem Zettel steht, was ein bestimmter Besucher so gemacht hat.</a:t>
+              <a:t>Wird die Website eher mit dem Smartphone oder am Desktop besucht?</a:t>
             </a:r>
           </a:p>
           <a:p>
@@ -4388,13 +4402,22 @@
           <a:p>
             <a:r>
               <a:rPr lang="de-DE" sz="1200" b="1" dirty="0"/>
-              <a:t>Dann hat man ein Verfahren verwendet, das ein bisschen so funktioniert wie ein Sortierroboter:</a:t>
-            </a:r>
+              <a:t>Man kann sich das vorstellen wie eine große Sammlung von Tagesprotokollen – auf jedem „Zettel“ steht, was an diesem Tag auf der Website passiert ist.</a:t>
+            </a:r>
+          </a:p>
+          <a:p>
+            <a:endParaRPr lang="de-DE" sz="1200" b="1" dirty="0"/>
           </a:p>
           <a:p>
             <a:r>
               <a:rPr lang="de-DE" sz="1200" b="1" dirty="0"/>
-              <a:t>Stell dir vor, du hast ganz viele bunte Socken, die alle unterschiedlich gemustert sind. Du willst sie sortieren, ohne vorher zu wissen, wie viele verschiedene Sorten es eigentlich gibt. Der Roboter schaut sich die Socken genau an – also Muster, Farbe und Größe – und sortiert sie in passende Gruppen, sodass in jeder Gruppe ähnliche Socken landen.</a:t>
+              <a:t>Dann kam ein Verfahren zum Einsatz, das ein bisschen wie ein intelligenter Sortierroboter funktioniert:</a:t>
+            </a:r>
+          </a:p>
+          <a:p>
+            <a:r>
+              <a:rPr lang="de-DE" sz="1200" b="1" dirty="0"/>
+              <a:t>Stell dir vor, du hast viele verschiedene Wochentage, an denen mal viel und mal wenig los war. Der Roboter schaut sich an, wie ähnlich sich diese Tage verhalten haben – und gruppiert sie, ohne vorher zu wissen, wie viele typische „Tagesarten“ es überhaupt gibt.</a:t>
             </a:r>
           </a:p>
           <a:p>
@@ -4403,23 +4426,25 @@
           <a:p>
             <a:r>
               <a:rPr lang="de-DE" sz="1200" b="1" dirty="0"/>
-              <a:t>Genauso macht das der </a:t>
-            </a:r>
-            <a:r>
-              <a:rPr lang="de-DE" sz="1200" b="1" dirty="0" err="1"/>
-              <a:t>Algorythmus</a:t>
-            </a:r>
+              <a:t>So entstehen Gruppen wie:</a:t>
+            </a:r>
+          </a:p>
+          <a:p>
+            <a:endParaRPr lang="de-DE" sz="1200" b="1" dirty="0"/>
+          </a:p>
+          <a:p>
             <a:r>
               <a:rPr lang="de-DE" sz="1200" b="1" dirty="0"/>
-              <a:t> mit den Website-Besuchern: Er sortiert die Menschen in Gruppen, die sich ähnlich verhalten – zum Beispiel „Schnell-</a:t>
-            </a:r>
-            <a:r>
-              <a:rPr lang="de-DE" sz="1200" b="1" dirty="0" err="1"/>
-              <a:t>durchklicker</a:t>
-            </a:r>
+              <a:t>„Tage mit vielen mobilen Besuchern und langer Verweildauer“</a:t>
+            </a:r>
+          </a:p>
+          <a:p>
+            <a:endParaRPr lang="de-DE" sz="1200" b="1" dirty="0"/>
+          </a:p>
+          <a:p>
             <a:r>
               <a:rPr lang="de-DE" sz="1200" b="1" dirty="0"/>
-              <a:t>“, „Langzeit-Leser“ oder „Mobile-Besucher“.</a:t>
+              <a:t>„Tage mit sehr hohem Traffic und vielen Aktionen“</a:t>
             </a:r>
           </a:p>
           <a:p>
@@ -4428,7 +4453,7 @@
           <a:p>
             <a:r>
               <a:rPr lang="de-DE" sz="1200" b="1" dirty="0"/>
-              <a:t>Damit man die Gruppen anschließend besser verstehen kann, werden die vielen Informationen vereinfacht und als Bilder oder Grafiken dargestellt – so kann man auf einen Blick erkennen, welche typischen Nutzertypen es gibt. Das hilft zum Beispiel dabei, gezielter auf die Bedürfnisse der verschiedenen Gruppen einzugehen.</a:t>
+              <a:t>„Ruhige Tage mit kurzer Verweildauer und wenigen Zugriffen“</a:t>
             </a:r>
           </a:p>
           <a:p>
@@ -4437,90 +4462,140 @@
           <a:p>
             <a:r>
               <a:rPr lang="de-DE" sz="1200" b="1" dirty="0"/>
-              <a:t>Interpretation der Ergebnisse  </a:t>
-            </a:r>
-            <a:endParaRPr lang="de-DE" sz="1200" dirty="0"/>
-          </a:p>
-          <a:p>
-            <a:br>
-              <a:rPr lang="de-DE" sz="1200" dirty="0"/>
-            </a:br>
+              <a:t>Um diese Cluster besser interpretieren zu können, wurden die vielen Merkmale reduziert und in 2D-Grafiken dargestellt – so lässt sich auf einen Blick erkennen, welche typischen Nutzungsmuster auftreten.</a:t>
+            </a:r>
+          </a:p>
+          <a:p>
+            <a:endParaRPr lang="de-DE" sz="1200" b="1" dirty="0"/>
+          </a:p>
+          <a:p>
             <a:r>
               <a:rPr lang="de-DE" sz="1200" b="1" dirty="0"/>
-              <a:t>„Device &amp; Verhalten</a:t>
-            </a:r>
-            <a:r>
-              <a:rPr lang="de-DE" sz="1200" dirty="0"/>
-              <a:t> </a:t>
-            </a:r>
-          </a:p>
-          <a:p>
-            <a:r>
-              <a:rPr lang="de-DE" sz="1200" dirty="0"/>
-              <a:t>- Cluster: „Desktop Nutzer, hohe Aktivität“ zeichnet sich durch besonders viele Seitenaufrufe (284,5), hohe Desktop-Nutzung (162,9) und lange Verweildauer (130 Sek.) aus.  </a:t>
-            </a:r>
-          </a:p>
-          <a:p>
-            <a:r>
-              <a:rPr lang="de-DE" sz="1200" dirty="0"/>
-              <a:t>- Cluster: „Mobile Nutzer, hohe Verweildauer“ hat geringere Seitenaufrufe (90,6), nutzt überwiegend mobile Geräte (48,6) und verweilt durchschnittlich 98 Sekunden auf der Seite.</a:t>
-            </a:r>
-          </a:p>
-          <a:p>
-            <a:br>
-              <a:rPr lang="de-DE" sz="1200" dirty="0"/>
-            </a:br>
+              <a:t>Interpretation der Cluster-Ergebnisse</a:t>
+            </a:r>
+          </a:p>
+          <a:p>
             <a:r>
               <a:rPr lang="de-DE" sz="1200" b="1" dirty="0"/>
-              <a:t>„Quelle &amp; Intensität</a:t>
-            </a:r>
-            <a:endParaRPr lang="de-DE" sz="1200" dirty="0"/>
-          </a:p>
-          <a:p>
-            <a:r>
-              <a:rPr lang="de-DE" sz="1200" dirty="0"/>
-              <a:t>-  „Geringe Nutzerzahl &amp; Traffic“ weist niedrige Nutzerzahlen (26,4) und Sitzungen auf Google und direkt auf. (jeweils ~12 und ~10) </a:t>
-            </a:r>
-          </a:p>
-          <a:p>
-            <a:r>
-              <a:rPr lang="de-DE" sz="1200" dirty="0"/>
-              <a:t>- „Hoher Traffic &amp; Engagement“ zeigt deutlich mehr Nutzer (76,1), hohe Google-Traffic-Zahlen (55,8) und eine hohe Anzahl an Events (55,6).</a:t>
-            </a:r>
-          </a:p>
-          <a:p>
-            <a:br>
-              <a:rPr lang="de-DE" sz="1200" dirty="0"/>
-            </a:br>
+              <a:t>Geräte &amp; Verhalten</a:t>
+            </a:r>
+          </a:p>
+          <a:p>
             <a:r>
               <a:rPr lang="de-DE" sz="1200" b="1" dirty="0"/>
-              <a:t>„Zeit &amp; Event-Verhalten</a:t>
-            </a:r>
-            <a:r>
-              <a:rPr lang="de-DE" sz="1200" dirty="0"/>
-              <a:t> </a:t>
-            </a:r>
-          </a:p>
-          <a:p>
-            <a:r>
-              <a:rPr lang="de-DE" sz="1200" dirty="0"/>
-              <a:t>- „Kurze bis mittlere Verweildauer“ zeigt moderate Verweildauer (109 Sek.), Nutzeranzahl (28,6) und Seiten pro Sitzung (5,5).  </a:t>
-            </a:r>
-          </a:p>
-          <a:p>
-            <a:r>
-              <a:rPr lang="de-DE" sz="1200" dirty="0"/>
-              <a:t>- „Hohe Nutzerzahl mit schnellen Aktionen“ zeichnet sich durch viele Nutzer (78,1) bei relativ kurzer Verweildauer (95 Sek.) und hoher Eventanzahl (59,4) aus.  </a:t>
-            </a:r>
-          </a:p>
-          <a:p>
-            <a:r>
-              <a:rPr lang="de-DE" sz="1200" dirty="0"/>
-              <a:t>- Cluster „Intensive Nutzung (sehr lange Sitzungen)“ hat extrem lange Verweildauer (471 Sek.) bei geringer Nutzeranzahl (2,2).</a:t>
-            </a:r>
-          </a:p>
-          <a:p>
-            <a:endParaRPr lang="de-DE" dirty="0"/>
+              <a:t>„Desktop-Nutzung mit hoher Aktivität“</a:t>
+            </a:r>
+          </a:p>
+          <a:p>
+            <a:r>
+              <a:rPr lang="de-DE" sz="1200" b="1" dirty="0"/>
+              <a:t>Tage in diesem Cluster zeigen besonders viele Seitenaufrufe (Ø 284,5), intensive Desktop-Nutzung (Ø 162,9) und eine lange Verweildauer (Ø 130 Sek.).</a:t>
+            </a:r>
+          </a:p>
+          <a:p>
+            <a:endParaRPr lang="de-DE" sz="1200" b="1" dirty="0"/>
+          </a:p>
+          <a:p>
+            <a:r>
+              <a:rPr lang="de-DE" sz="1200" b="1" dirty="0"/>
+              <a:t>„Mobile Nutzung mit langer Verweildauer“</a:t>
+            </a:r>
+          </a:p>
+          <a:p>
+            <a:r>
+              <a:rPr lang="de-DE" sz="1200" b="1" dirty="0"/>
+              <a:t>Diese Tage weisen geringere Seitenaufrufe (Ø 90,6) auf, aber hohe mobile Nutzung (Ø 48,6) und ebenfalls eine lange Verweildauer (Ø 98 Sek.).</a:t>
+            </a:r>
+          </a:p>
+          <a:p>
+            <a:endParaRPr lang="de-DE" sz="1200" b="1" dirty="0"/>
+          </a:p>
+          <a:p>
+            <a:r>
+              <a:rPr lang="de-DE" sz="1200" b="1" dirty="0"/>
+              <a:t>Traffic-Quelle &amp; Intensität</a:t>
+            </a:r>
+          </a:p>
+          <a:p>
+            <a:r>
+              <a:rPr lang="de-DE" sz="1200" b="1" dirty="0"/>
+              <a:t>„Geringe Nutzerzahl &amp; wenig Traffic“</a:t>
+            </a:r>
+          </a:p>
+          <a:p>
+            <a:r>
+              <a:rPr lang="de-DE" sz="1200" b="1" dirty="0"/>
+              <a:t>Diese Tage zeigen niedrige Nutzerzahlen (Ø 26,4), mit wenig Zugriff über Google und Direkteinstiege (~12 bzw. ~10).</a:t>
+            </a:r>
+          </a:p>
+          <a:p>
+            <a:endParaRPr lang="de-DE" sz="1200" b="1" dirty="0"/>
+          </a:p>
+          <a:p>
+            <a:r>
+              <a:rPr lang="de-DE" sz="1200" b="1" dirty="0"/>
+              <a:t>„Hoher Traffic &amp; starkes Engagement“</a:t>
+            </a:r>
+          </a:p>
+          <a:p>
+            <a:r>
+              <a:rPr lang="de-DE" sz="1200" b="1" dirty="0"/>
+              <a:t>Tage mit deutlich mehr Nutzern (Ø 76,1), hohem Google-Traffic (Ø 55,8) und vielen Events (Ø 55,6).</a:t>
+            </a:r>
+          </a:p>
+          <a:p>
+            <a:endParaRPr lang="de-DE" sz="1200" b="1" dirty="0"/>
+          </a:p>
+          <a:p>
+            <a:r>
+              <a:rPr lang="de-DE" sz="1200" b="1" dirty="0"/>
+              <a:t>Zeitliches Verhalten &amp; Aktivität</a:t>
+            </a:r>
+          </a:p>
+          <a:p>
+            <a:r>
+              <a:rPr lang="de-DE" sz="1200" b="1" dirty="0"/>
+              <a:t>„Mittlere Verweildauer und Aktivität“</a:t>
+            </a:r>
+          </a:p>
+          <a:p>
+            <a:r>
+              <a:rPr lang="de-DE" sz="1200" b="1" dirty="0"/>
+              <a:t>Diese Tage haben eine moderate Verweildauer (Ø 109 Sek.), Nutzerzahl (Ø 28,6) und Seiten pro Sitzung (Ø 5,5).</a:t>
+            </a:r>
+          </a:p>
+          <a:p>
+            <a:endParaRPr lang="de-DE" sz="1200" b="1" dirty="0"/>
+          </a:p>
+          <a:p>
+            <a:r>
+              <a:rPr lang="de-DE" sz="1200" b="1" dirty="0"/>
+              <a:t>„Hohe Nutzerzahl mit schnellen Aktionen“</a:t>
+            </a:r>
+          </a:p>
+          <a:p>
+            <a:r>
+              <a:rPr lang="de-DE" sz="1200" b="1" dirty="0"/>
+              <a:t>Charakteristisch sind viele Nutzer (Ø 78,1), eher kurze Sitzungsdauer (Ø 95 Sek.) und viele Events (Ø 59,4).</a:t>
+            </a:r>
+          </a:p>
+          <a:p>
+            <a:endParaRPr lang="de-DE" sz="1200" b="1" dirty="0"/>
+          </a:p>
+          <a:p>
+            <a:r>
+              <a:rPr lang="de-DE" sz="1200" b="1" dirty="0"/>
+              <a:t>„Intensive Nutzung (lange Sitzungen)“</a:t>
+            </a:r>
+          </a:p>
+          <a:p>
+            <a:r>
+              <a:rPr lang="de-DE" sz="1200" b="1" dirty="0"/>
+              <a:t>Hier wurden sehr lange Verweildauern (Ø 471 Sek.) bei sehr wenigen Besuchern (Ø 2,2) beobachtet – möglicherweise durch einzelne, sehr aktive Nutzer.</a:t>
+            </a:r>
+          </a:p>
+          <a:p>
+            <a:endParaRPr lang="de-DE" sz="1200" b="1" dirty="0"/>
           </a:p>
         </p:txBody>
       </p:sp>
@@ -8024,8 +8099,8 @@
         </p:nvSpPr>
         <p:spPr>
           <a:xfrm>
-            <a:off x="1315940" y="4133481"/>
-            <a:ext cx="9931180" cy="3016210"/>
+            <a:off x="0" y="4133481"/>
+            <a:ext cx="12192000" cy="2400657"/>
           </a:xfrm>
           <a:prstGeom prst="rect">
             <a:avLst/>
@@ -8040,121 +8115,65 @@
           <a:p>
             <a:r>
               <a:rPr lang="de-DE" sz="1000" b="1" dirty="0"/>
-              <a:t>Was lässt sich daraus ableiten?  </a:t>
-            </a:r>
-            <a:endParaRPr lang="de-DE" sz="1000" dirty="0"/>
-          </a:p>
-          <a:p>
-            <a:br>
-              <a:rPr lang="de-DE" sz="1000" dirty="0"/>
-            </a:br>
-            <a:r>
-              <a:rPr lang="de-DE" sz="1000" dirty="0"/>
-              <a:t>-</a:t>
-            </a:r>
+              <a:t>Was lässt sich aus der Clusteranalyse ableiten?</a:t>
+            </a:r>
+          </a:p>
+          <a:p>
             <a:r>
               <a:rPr lang="de-DE" sz="1000" b="1" dirty="0"/>
-              <a:t>Mehrere klar unterscheidbare Nutzertypen:</a:t>
-            </a:r>
-            <a:r>
-              <a:rPr lang="de-DE" sz="1000" dirty="0"/>
-              <a:t>  </a:t>
-            </a:r>
-          </a:p>
-          <a:p>
-            <a:r>
-              <a:rPr lang="de-DE" sz="1000" dirty="0"/>
-              <a:t>  Nutzer unterscheiden sich deutlich in ihrem Gerät, Traffic-Quelle, Verweildauer und Engagement. Das Clustering trennt diese Gruppen sinnvoll.</a:t>
-            </a:r>
-          </a:p>
-          <a:p>
-            <a:br>
-              <a:rPr lang="de-DE" sz="1000" dirty="0"/>
-            </a:br>
-            <a:r>
-              <a:rPr lang="de-DE" sz="1000" dirty="0"/>
-              <a:t>-</a:t>
-            </a:r>
+              <a:t>Mehrere klar unterscheidbare Nutzungstage:</a:t>
+            </a:r>
+          </a:p>
+          <a:p>
             <a:r>
               <a:rPr lang="de-DE" sz="1000" b="1" dirty="0"/>
-              <a:t>Mobile vs. Desktop Nutzung:</a:t>
-            </a:r>
-            <a:endParaRPr lang="de-DE" sz="1000" dirty="0"/>
-          </a:p>
-          <a:p>
-            <a:r>
-              <a:rPr lang="de-DE" sz="1000" dirty="0"/>
-              <a:t>  Desktop-Nutzer zeigen tendenziell mehr Seitenaufrufe und längere Sitzungen, während Mobile-Nutzer oft kürzere, aber hoch frequentierte Zugriffe haben.</a:t>
-            </a:r>
-          </a:p>
-          <a:p>
-            <a:br>
-              <a:rPr lang="de-DE" sz="1000" dirty="0"/>
-            </a:br>
-            <a:r>
-              <a:rPr lang="de-DE" sz="1000" dirty="0"/>
-              <a:t>-</a:t>
-            </a:r>
+              <a:t>Die Analyse zeigt, dass es deutlich unterscheidbare Tagesmuster gibt – z. B. Tage mit hoher Aktivität am Desktop, andere mit vielen mobilen Zugriffen oder auch Tage mit insgesamt geringer Nutzung. Das Clustering trennt diese Tagesgruppen sinnvoll.</a:t>
+            </a:r>
+          </a:p>
+          <a:p>
+            <a:endParaRPr lang="de-DE" sz="1000" b="1" dirty="0"/>
+          </a:p>
+          <a:p>
             <a:r>
               <a:rPr lang="de-DE" sz="1000" b="1" dirty="0"/>
-              <a:t>Traffic-Quellen spiegeln Engagement:</a:t>
-            </a:r>
-            <a:endParaRPr lang="de-DE" sz="1000" dirty="0"/>
-          </a:p>
-          <a:p>
-            <a:r>
-              <a:rPr lang="de-DE" sz="1000" dirty="0"/>
-              <a:t>  Hoher Traffic (z. B. Google) korreliert mit einer größeren Nutzerzahl und mehr Events, was auf intensivere Nutzung hinweist.</a:t>
-            </a:r>
-          </a:p>
-          <a:p>
-            <a:br>
-              <a:rPr lang="de-DE" sz="1000" dirty="0"/>
-            </a:br>
-            <a:r>
-              <a:rPr lang="de-DE" sz="1000" dirty="0"/>
-              <a:t>-</a:t>
-            </a:r>
+              <a:t>Unterschiede zwischen Mobile- und Desktop-Tagen:</a:t>
+            </a:r>
+          </a:p>
+          <a:p>
             <a:r>
               <a:rPr lang="de-DE" sz="1000" b="1" dirty="0"/>
-              <a:t>Extremnutzung existiert:</a:t>
-            </a:r>
-            <a:endParaRPr lang="de-DE" sz="1000" dirty="0"/>
-          </a:p>
-          <a:p>
-            <a:r>
-              <a:rPr lang="de-DE" sz="1000" dirty="0"/>
-              <a:t>  Kleine Nutzergruppen mit sehr langen Sitzungen und intensiven Interaktionen zeigen, dass es neben den Massen-Nutzern auch sehr engagierte Einzelpersonen gibt.</a:t>
-            </a:r>
-          </a:p>
-          <a:p>
-            <a:endParaRPr lang="de-DE" sz="1000" dirty="0"/>
-          </a:p>
-          <a:p>
-            <a:r>
-              <a:rPr lang="de-DE" sz="1000" dirty="0"/>
-              <a:t>-</a:t>
-            </a:r>
+              <a:t>Tage mit hohem Desktop-Anteil weisen tendenziell mehr Seitenaufrufe und längere Sitzungen auf. Tage mit hoher mobiler Nutzung zeigen dagegen oft kürzere, aber sehr frequente Interaktionen – z. B. viele Events in kurzer Zeit.</a:t>
+            </a:r>
+          </a:p>
+          <a:p>
+            <a:endParaRPr lang="de-DE" sz="1000" b="1" dirty="0"/>
+          </a:p>
+          <a:p>
             <a:r>
               <a:rPr lang="de-DE" sz="1000" b="1" dirty="0"/>
-              <a:t>Empfehlung für weitere Analyse:</a:t>
-            </a:r>
-            <a:r>
-              <a:rPr lang="de-DE" sz="1000" dirty="0"/>
-              <a:t>  </a:t>
-            </a:r>
-          </a:p>
-          <a:p>
-            <a:r>
-              <a:rPr lang="de-DE" sz="1000" dirty="0"/>
-              <a:t>  Die Clusterprofile können gezielt für personalisierte Inhalte oder Marketingkampagnen genutzt werden. Zudem sollte geprüft werden, wie sich Nutzer im Zeitverlauf zwischen Clustern bewegen.</a:t>
-            </a:r>
-          </a:p>
-          <a:p>
-            <a:br>
-              <a:rPr lang="de-DE" sz="1000" dirty="0"/>
-            </a:br>
-            <a:endParaRPr lang="de-DE" sz="1000" dirty="0"/>
+              <a:t>Traffic-Quellen spiegeln das Engagement:</a:t>
+            </a:r>
+          </a:p>
+          <a:p>
+            <a:r>
+              <a:rPr lang="de-DE" sz="1000" b="1" dirty="0"/>
+              <a:t>Tage mit viel Google-Traffic oder hohen Direkteinstiegen sind meist mit einer höheren Nutzeranzahl und mehr Interaktionen (Events) verbunden – ein Hinweis auf intensivere Nutzung.</a:t>
+            </a:r>
+          </a:p>
+          <a:p>
+            <a:endParaRPr lang="de-DE" sz="1000" b="1" dirty="0"/>
+          </a:p>
+          <a:p>
+            <a:r>
+              <a:rPr lang="de-DE" sz="1000" b="1" dirty="0"/>
+              <a:t>Extremverhalten sichtbar:</a:t>
+            </a:r>
+          </a:p>
+          <a:p>
+            <a:r>
+              <a:rPr lang="de-DE" sz="1000" b="1" dirty="0"/>
+              <a:t>Es gibt einzelne Tage mit außergewöhnlich langen Sitzungsdauern und sehr intensiver Nutzung – obwohl dort nur wenige Nutzer aktiv waren. Solche "Ausreißer-Tage" deuten auf sehr engagierte Einzelbesuche oder spezielle Inhalte hin.</a:t>
+            </a:r>
           </a:p>
         </p:txBody>
       </p:sp>
@@ -8973,12 +8992,85 @@
           </a:p>
         </p:txBody>
       </p:sp>
+      <p:sp>
+        <p:nvSpPr>
+          <p:cNvPr id="12" name="Textfeld 11">
+            <a:extLst>
+              <a:ext uri="{FF2B5EF4-FFF2-40B4-BE49-F238E27FC236}">
+                <a16:creationId xmlns:a16="http://schemas.microsoft.com/office/drawing/2014/main" id="{C443CB5B-B350-6D19-C828-751E16F099F8}"/>
+              </a:ext>
+            </a:extLst>
+          </p:cNvPr>
+          <p:cNvSpPr txBox="1"/>
+          <p:nvPr/>
+        </p:nvSpPr>
+        <p:spPr>
+          <a:xfrm>
+            <a:off x="6992550" y="1060585"/>
+            <a:ext cx="2395271" cy="369332"/>
+          </a:xfrm>
+          <a:prstGeom prst="rect">
+            <a:avLst/>
+          </a:prstGeom>
+          <a:noFill/>
+        </p:spPr>
+        <p:txBody>
+          <a:bodyPr wrap="none" rtlCol="0">
+            <a:spAutoFit/>
+          </a:bodyPr>
+          <a:lstStyle/>
+          <a:p>
+            <a:r>
+              <a:rPr lang="de-DE" dirty="0"/>
+              <a:t>Die obersten 20 Zeilen</a:t>
+            </a:r>
+          </a:p>
+        </p:txBody>
+      </p:sp>
+      <p:sp>
+        <p:nvSpPr>
+          <p:cNvPr id="13" name="Textfeld 12">
+            <a:extLst>
+              <a:ext uri="{FF2B5EF4-FFF2-40B4-BE49-F238E27FC236}">
+                <a16:creationId xmlns:a16="http://schemas.microsoft.com/office/drawing/2014/main" id="{8622633B-0042-6428-C745-118017E17406}"/>
+              </a:ext>
+            </a:extLst>
+          </p:cNvPr>
+          <p:cNvSpPr txBox="1"/>
+          <p:nvPr/>
+        </p:nvSpPr>
+        <p:spPr>
+          <a:xfrm>
+            <a:off x="7482199" y="6121667"/>
+            <a:ext cx="2337948" cy="369332"/>
+          </a:xfrm>
+          <a:prstGeom prst="rect">
+            <a:avLst/>
+          </a:prstGeom>
+          <a:noFill/>
+        </p:spPr>
+        <p:txBody>
+          <a:bodyPr wrap="none" rtlCol="0">
+            <a:spAutoFit/>
+          </a:bodyPr>
+          <a:lstStyle/>
+          <a:p>
+            <a:r>
+              <a:rPr lang="de-DE" dirty="0">
+                <a:sym typeface="Wingdings" panose="05000000000000000000" pitchFamily="2" charset="2"/>
+              </a:rPr>
+              <a:t> Die letzten 5 Zeilen</a:t>
+            </a:r>
+            <a:endParaRPr lang="de-DE" dirty="0"/>
+          </a:p>
+        </p:txBody>
+      </p:sp>
       <p:pic>
         <p:nvPicPr>
-          <p:cNvPr id="11" name="Grafik 10">
+          <p:cNvPr id="4" name="Grafik 3">
             <a:extLst>
               <a:ext uri="{FF2B5EF4-FFF2-40B4-BE49-F238E27FC236}">
-                <a16:creationId xmlns:a16="http://schemas.microsoft.com/office/drawing/2014/main" id="{07693F30-71F8-BD9C-C61E-77B7ABE88DF9}"/>
+                <a16:creationId xmlns:a16="http://schemas.microsoft.com/office/drawing/2014/main" id="{9B07A1B4-30A0-C7EF-9E6D-3ADDA0A7D8D0}"/>
               </a:ext>
             </a:extLst>
           </p:cNvPr>
@@ -8995,87 +9087,14 @@
         </p:blipFill>
         <p:spPr>
           <a:xfrm>
-            <a:off x="332442" y="5280249"/>
-            <a:ext cx="7857744" cy="1494948"/>
+            <a:off x="542837" y="5428083"/>
+            <a:ext cx="6377727" cy="1387169"/>
           </a:xfrm>
           <a:prstGeom prst="rect">
             <a:avLst/>
           </a:prstGeom>
         </p:spPr>
       </p:pic>
-      <p:sp>
-        <p:nvSpPr>
-          <p:cNvPr id="12" name="Textfeld 11">
-            <a:extLst>
-              <a:ext uri="{FF2B5EF4-FFF2-40B4-BE49-F238E27FC236}">
-                <a16:creationId xmlns:a16="http://schemas.microsoft.com/office/drawing/2014/main" id="{C443CB5B-B350-6D19-C828-751E16F099F8}"/>
-              </a:ext>
-            </a:extLst>
-          </p:cNvPr>
-          <p:cNvSpPr txBox="1"/>
-          <p:nvPr/>
-        </p:nvSpPr>
-        <p:spPr>
-          <a:xfrm>
-            <a:off x="6992550" y="1060585"/>
-            <a:ext cx="2395271" cy="369332"/>
-          </a:xfrm>
-          <a:prstGeom prst="rect">
-            <a:avLst/>
-          </a:prstGeom>
-          <a:noFill/>
-        </p:spPr>
-        <p:txBody>
-          <a:bodyPr wrap="none" rtlCol="0">
-            <a:spAutoFit/>
-          </a:bodyPr>
-          <a:lstStyle/>
-          <a:p>
-            <a:r>
-              <a:rPr lang="de-DE" dirty="0"/>
-              <a:t>Die obersten 20 Zeilen</a:t>
-            </a:r>
-          </a:p>
-        </p:txBody>
-      </p:sp>
-      <p:sp>
-        <p:nvSpPr>
-          <p:cNvPr id="13" name="Textfeld 12">
-            <a:extLst>
-              <a:ext uri="{FF2B5EF4-FFF2-40B4-BE49-F238E27FC236}">
-                <a16:creationId xmlns:a16="http://schemas.microsoft.com/office/drawing/2014/main" id="{8622633B-0042-6428-C745-118017E17406}"/>
-              </a:ext>
-            </a:extLst>
-          </p:cNvPr>
-          <p:cNvSpPr txBox="1"/>
-          <p:nvPr/>
-        </p:nvSpPr>
-        <p:spPr>
-          <a:xfrm>
-            <a:off x="8531352" y="6074457"/>
-            <a:ext cx="2337948" cy="369332"/>
-          </a:xfrm>
-          <a:prstGeom prst="rect">
-            <a:avLst/>
-          </a:prstGeom>
-          <a:noFill/>
-        </p:spPr>
-        <p:txBody>
-          <a:bodyPr wrap="none" rtlCol="0">
-            <a:spAutoFit/>
-          </a:bodyPr>
-          <a:lstStyle/>
-          <a:p>
-            <a:r>
-              <a:rPr lang="de-DE" dirty="0">
-                <a:sym typeface="Wingdings" panose="05000000000000000000" pitchFamily="2" charset="2"/>
-              </a:rPr>
-              <a:t> Die letzten 5 Zeilen</a:t>
-            </a:r>
-            <a:endParaRPr lang="de-DE" dirty="0"/>
-          </a:p>
-        </p:txBody>
-      </p:sp>
     </p:spTree>
     <p:extLst>
       <p:ext uri="{BB962C8B-B14F-4D97-AF65-F5344CB8AC3E}">
@@ -11742,12 +11761,85 @@
           </a:prstGeom>
         </p:spPr>
       </p:pic>
+      <p:sp>
+        <p:nvSpPr>
+          <p:cNvPr id="6" name="Textfeld 5">
+            <a:extLst>
+              <a:ext uri="{FF2B5EF4-FFF2-40B4-BE49-F238E27FC236}">
+                <a16:creationId xmlns:a16="http://schemas.microsoft.com/office/drawing/2014/main" id="{84CEA768-A678-94EC-03CF-3049F74FB622}"/>
+              </a:ext>
+            </a:extLst>
+          </p:cNvPr>
+          <p:cNvSpPr txBox="1"/>
+          <p:nvPr/>
+        </p:nvSpPr>
+        <p:spPr>
+          <a:xfrm>
+            <a:off x="673192" y="1452606"/>
+            <a:ext cx="5422808" cy="1077218"/>
+          </a:xfrm>
+          <a:prstGeom prst="rect">
+            <a:avLst/>
+          </a:prstGeom>
+          <a:noFill/>
+        </p:spPr>
+        <p:txBody>
+          <a:bodyPr wrap="square" rtlCol="0">
+            <a:spAutoFit/>
+          </a:bodyPr>
+          <a:lstStyle/>
+          <a:p>
+            <a:br>
+              <a:rPr lang="de-DE" sz="1600" dirty="0"/>
+            </a:br>
+            <a:r>
+              <a:rPr lang="de-DE" sz="1600" dirty="0"/>
+              <a:t>Hier sehen wir, an welchen Tagen die Seitenaufrufe auf der Website besonders ungewöhnlich waren – also Ausreißer-Tage, die sich stark von normalen Tagen unterscheiden.</a:t>
+            </a:r>
+          </a:p>
+        </p:txBody>
+      </p:sp>
+      <p:sp>
+        <p:nvSpPr>
+          <p:cNvPr id="7" name="Textfeld 6">
+            <a:extLst>
+              <a:ext uri="{FF2B5EF4-FFF2-40B4-BE49-F238E27FC236}">
+                <a16:creationId xmlns:a16="http://schemas.microsoft.com/office/drawing/2014/main" id="{11B27CAA-6A77-7FE1-8899-DC7F0A6215BF}"/>
+              </a:ext>
+            </a:extLst>
+          </p:cNvPr>
+          <p:cNvSpPr txBox="1"/>
+          <p:nvPr/>
+        </p:nvSpPr>
+        <p:spPr>
+          <a:xfrm>
+            <a:off x="0" y="0"/>
+            <a:ext cx="6567777" cy="646331"/>
+          </a:xfrm>
+          <a:prstGeom prst="rect">
+            <a:avLst/>
+          </a:prstGeom>
+          <a:noFill/>
+        </p:spPr>
+        <p:txBody>
+          <a:bodyPr wrap="square" rtlCol="0">
+            <a:spAutoFit/>
+          </a:bodyPr>
+          <a:lstStyle/>
+          <a:p>
+            <a:r>
+              <a:rPr lang="de-DE" b="1" dirty="0"/>
+              <a:t>Erkennung und Visualisierung von ungewöhnlichen Tagen bei Seitenaufrufen</a:t>
+            </a:r>
+          </a:p>
+        </p:txBody>
+      </p:sp>
       <p:pic>
         <p:nvPicPr>
-          <p:cNvPr id="5" name="Grafik 4">
+          <p:cNvPr id="8" name="Grafik 7">
             <a:extLst>
               <a:ext uri="{FF2B5EF4-FFF2-40B4-BE49-F238E27FC236}">
-                <a16:creationId xmlns:a16="http://schemas.microsoft.com/office/drawing/2014/main" id="{BA48AD25-54B1-30AF-5DCB-59173A11D370}"/>
+                <a16:creationId xmlns:a16="http://schemas.microsoft.com/office/drawing/2014/main" id="{00953FE0-879E-22DE-CEFC-6B65644C748F}"/>
               </a:ext>
             </a:extLst>
           </p:cNvPr>
@@ -11764,87 +11856,14 @@
         </p:blipFill>
         <p:spPr>
           <a:xfrm>
-            <a:off x="7079226" y="445273"/>
-            <a:ext cx="5042751" cy="2764971"/>
+            <a:off x="7199697" y="394255"/>
+            <a:ext cx="4992303" cy="2797466"/>
           </a:xfrm>
           <a:prstGeom prst="rect">
             <a:avLst/>
           </a:prstGeom>
         </p:spPr>
       </p:pic>
-      <p:sp>
-        <p:nvSpPr>
-          <p:cNvPr id="6" name="Textfeld 5">
-            <a:extLst>
-              <a:ext uri="{FF2B5EF4-FFF2-40B4-BE49-F238E27FC236}">
-                <a16:creationId xmlns:a16="http://schemas.microsoft.com/office/drawing/2014/main" id="{84CEA768-A678-94EC-03CF-3049F74FB622}"/>
-              </a:ext>
-            </a:extLst>
-          </p:cNvPr>
-          <p:cNvSpPr txBox="1"/>
-          <p:nvPr/>
-        </p:nvSpPr>
-        <p:spPr>
-          <a:xfrm>
-            <a:off x="673192" y="1452606"/>
-            <a:ext cx="5422808" cy="1077218"/>
-          </a:xfrm>
-          <a:prstGeom prst="rect">
-            <a:avLst/>
-          </a:prstGeom>
-          <a:noFill/>
-        </p:spPr>
-        <p:txBody>
-          <a:bodyPr wrap="square" rtlCol="0">
-            <a:spAutoFit/>
-          </a:bodyPr>
-          <a:lstStyle/>
-          <a:p>
-            <a:br>
-              <a:rPr lang="de-DE" sz="1600" dirty="0"/>
-            </a:br>
-            <a:r>
-              <a:rPr lang="de-DE" sz="1600" dirty="0"/>
-              <a:t>Hier sehen wir, an welchen Tagen die Seitenaufrufe auf der Website besonders ungewöhnlich waren – also Ausreißer-Tage, die sich stark von normalen Tagen unterscheiden.</a:t>
-            </a:r>
-          </a:p>
-        </p:txBody>
-      </p:sp>
-      <p:sp>
-        <p:nvSpPr>
-          <p:cNvPr id="7" name="Textfeld 6">
-            <a:extLst>
-              <a:ext uri="{FF2B5EF4-FFF2-40B4-BE49-F238E27FC236}">
-                <a16:creationId xmlns:a16="http://schemas.microsoft.com/office/drawing/2014/main" id="{11B27CAA-6A77-7FE1-8899-DC7F0A6215BF}"/>
-              </a:ext>
-            </a:extLst>
-          </p:cNvPr>
-          <p:cNvSpPr txBox="1"/>
-          <p:nvPr/>
-        </p:nvSpPr>
-        <p:spPr>
-          <a:xfrm>
-            <a:off x="0" y="0"/>
-            <a:ext cx="6567777" cy="646331"/>
-          </a:xfrm>
-          <a:prstGeom prst="rect">
-            <a:avLst/>
-          </a:prstGeom>
-          <a:noFill/>
-        </p:spPr>
-        <p:txBody>
-          <a:bodyPr wrap="square" rtlCol="0">
-            <a:spAutoFit/>
-          </a:bodyPr>
-          <a:lstStyle/>
-          <a:p>
-            <a:r>
-              <a:rPr lang="de-DE" b="1" dirty="0"/>
-              <a:t>Erkennung und Visualisierung von ungewöhnlichen Tagen bei Seitenaufrufen</a:t>
-            </a:r>
-          </a:p>
-        </p:txBody>
-      </p:sp>
     </p:spTree>
     <p:extLst>
       <p:ext uri="{BB962C8B-B14F-4D97-AF65-F5344CB8AC3E}">
@@ -12249,8 +12268,8 @@
         </p:nvSpPr>
         <p:spPr>
           <a:xfrm>
-            <a:off x="405516" y="1695733"/>
-            <a:ext cx="11938932" cy="635815"/>
+            <a:off x="1482111" y="1718012"/>
+            <a:ext cx="9227778" cy="815351"/>
           </a:xfrm>
           <a:prstGeom prst="rect">
             <a:avLst/>
@@ -12270,41 +12289,47 @@
               <a:buNone/>
             </a:pPr>
             <a:r>
-              <a:rPr lang="de-DE" sz="1400" b="0" dirty="0">
+              <a:rPr lang="de-DE" sz="1400" dirty="0">
                 <a:solidFill>
                   <a:schemeClr val="tx1">
                     <a:lumMod val="75000"/>
                     <a:lumOff val="25000"/>
                   </a:schemeClr>
                 </a:solidFill>
-                <a:effectLst/>
-              </a:rPr>
-              <a:t>Diese Analyse zielt darauf ab, verschiedene Nutzersegmente anhand ihres Verhaltens, der genutzten Geräte und Traffic-Quellen zu identifizieren. Dabei werden Methoden wie Clustering (</a:t>
-            </a:r>
-            <a:r>
-              <a:rPr lang="de-DE" sz="1400" b="0" dirty="0" err="1">
+              </a:rPr>
+              <a:t>Ziel dieser Analyse ist es, typische Nutzungsmuster auf einer Website zu identifizieren – basierend auf Informationen wie Gerätetypen, Traffic-Quellen und dem Verhalten der Besucher. Dabei werden keine einzelnen Nutzer betrachtet, sondern Tage gruppiert, an denen sich das Verhalten der Gesamtbesucher ähnelte. Die Analyse erfolgt mit Methoden wie </a:t>
+            </a:r>
+            <a:r>
+              <a:rPr lang="de-DE" sz="1400" dirty="0" err="1">
                 <a:solidFill>
                   <a:schemeClr val="tx1">
                     <a:lumMod val="75000"/>
                     <a:lumOff val="25000"/>
                   </a:schemeClr>
                 </a:solidFill>
-                <a:effectLst/>
               </a:rPr>
               <a:t>KMeans</a:t>
             </a:r>
             <a:r>
-              <a:rPr lang="de-DE" sz="1400" b="0" dirty="0">
+              <a:rPr lang="de-DE" sz="1400" dirty="0">
                 <a:solidFill>
                   <a:schemeClr val="tx1">
                     <a:lumMod val="75000"/>
                     <a:lumOff val="25000"/>
                   </a:schemeClr>
                 </a:solidFill>
-                <a:effectLst/>
-              </a:rPr>
-              <a:t>) und Hauptkomponentenanalyse (PCA) eingesetzt, um typische Nutzerprofile und deren Charakteristika zu extrahieren und visuell darzustellen.</a:t>
-            </a:r>
+              </a:rPr>
+              <a:t>-Clustering und Hauptkomponentenanalyse (PCA), um ähnliche Tagesmuster sichtbar zu machen.</a:t>
+            </a:r>
+            <a:endParaRPr lang="de-DE" sz="1400" b="0" dirty="0">
+              <a:solidFill>
+                <a:schemeClr val="tx1">
+                  <a:lumMod val="75000"/>
+                  <a:lumOff val="25000"/>
+                </a:schemeClr>
+              </a:solidFill>
+              <a:effectLst/>
+            </a:endParaRPr>
           </a:p>
         </p:txBody>
       </p:sp>

--- a/Präsentation der Analysen.pptx
+++ b/Präsentation der Analysen.pptx
@@ -5,7 +5,7 @@
     <p:sldMasterId id="2147483648" r:id="rId1"/>
   </p:sldMasterIdLst>
   <p:notesMasterIdLst>
-    <p:notesMasterId r:id="rId19"/>
+    <p:notesMasterId r:id="rId21"/>
   </p:notesMasterIdLst>
   <p:sldIdLst>
     <p:sldId id="273" r:id="rId2"/>
@@ -18,13 +18,15 @@
     <p:sldId id="266" r:id="rId9"/>
     <p:sldId id="257" r:id="rId10"/>
     <p:sldId id="260" r:id="rId11"/>
-    <p:sldId id="269" r:id="rId12"/>
-    <p:sldId id="258" r:id="rId13"/>
-    <p:sldId id="262" r:id="rId14"/>
-    <p:sldId id="261" r:id="rId15"/>
-    <p:sldId id="259" r:id="rId16"/>
-    <p:sldId id="264" r:id="rId17"/>
-    <p:sldId id="274" r:id="rId18"/>
+    <p:sldId id="275" r:id="rId12"/>
+    <p:sldId id="276" r:id="rId13"/>
+    <p:sldId id="269" r:id="rId14"/>
+    <p:sldId id="258" r:id="rId15"/>
+    <p:sldId id="262" r:id="rId16"/>
+    <p:sldId id="261" r:id="rId17"/>
+    <p:sldId id="259" r:id="rId18"/>
+    <p:sldId id="264" r:id="rId19"/>
+    <p:sldId id="274" r:id="rId20"/>
   </p:sldIdLst>
   <p:sldSz cx="12192000" cy="6858000"/>
   <p:notesSz cx="6858000" cy="9144000"/>
@@ -819,159 +821,306 @@
           <a:bodyPr/>
           <a:lstStyle/>
           <a:p>
-            <a:pPr>
-              <a:lnSpc>
-                <a:spcPts val="1425"/>
-              </a:lnSpc>
-              <a:buNone/>
-            </a:pPr>
-            <a:r>
-              <a:rPr lang="de-DE" sz="1200" b="0" dirty="0">
-                <a:effectLst/>
-              </a:rPr>
-              <a:t>Für die Analyse wurden die 15 meistbesuchten Seiten betrachtet. Jede Seite wurde einem Cluster zugeordnet, um die Nutzungsintensität zu kategorisieren. Die genaue Verteilung der Seiten auf die Cluster hängt vom Ergebnis der Clusteranalyse ab und kann variieren.</a:t>
-            </a:r>
-          </a:p>
-          <a:p>
-            <a:pPr>
-              <a:lnSpc>
-                <a:spcPts val="1425"/>
-              </a:lnSpc>
-              <a:buNone/>
-            </a:pPr>
-            <a:endParaRPr lang="de-DE" sz="1200" b="0" dirty="0">
+            <a:r>
+              <a:rPr lang="de-DE" sz="1200" b="1" kern="1200" dirty="0">
+                <a:solidFill>
+                  <a:schemeClr val="tx1"/>
+                </a:solidFill>
+                <a:effectLst/>
+                <a:latin typeface="+mn-lt"/>
+                <a:ea typeface="+mn-ea"/>
+                <a:cs typeface="+mn-cs"/>
+              </a:rPr>
+              <a:t>Ziel der Ergänzungsanalyse  </a:t>
+            </a:r>
+            <a:endParaRPr lang="de-DE" sz="1200" b="0" kern="1200" dirty="0">
+              <a:solidFill>
+                <a:schemeClr val="tx1"/>
+              </a:solidFill>
               <a:effectLst/>
+              <a:latin typeface="+mn-lt"/>
+              <a:ea typeface="+mn-ea"/>
+              <a:cs typeface="+mn-cs"/>
             </a:endParaRPr>
           </a:p>
           <a:p>
-            <a:pPr>
-              <a:lnSpc>
-                <a:spcPts val="1425"/>
-              </a:lnSpc>
-              <a:buNone/>
-            </a:pPr>
+            <a:r>
+              <a:rPr lang="de-DE" sz="1200" b="0" kern="1200" dirty="0">
+                <a:solidFill>
+                  <a:schemeClr val="tx1"/>
+                </a:solidFill>
+                <a:effectLst/>
+                <a:latin typeface="+mn-lt"/>
+                <a:ea typeface="+mn-ea"/>
+                <a:cs typeface="+mn-cs"/>
+              </a:rPr>
+              <a:t>Aufbauend auf der zuvor durchgeführten Clusterbildung analysiert dieser Abschnitt, </a:t>
+            </a:r>
+            <a:r>
+              <a:rPr lang="de-DE" sz="1200" b="1" kern="1200" dirty="0">
+                <a:solidFill>
+                  <a:schemeClr val="tx1"/>
+                </a:solidFill>
+                <a:effectLst/>
+                <a:latin typeface="+mn-lt"/>
+                <a:ea typeface="+mn-ea"/>
+                <a:cs typeface="+mn-cs"/>
+              </a:rPr>
+              <a:t>**wann**</a:t>
+            </a:r>
+            <a:r>
+              <a:rPr lang="de-DE" sz="1200" b="0" kern="1200" dirty="0">
+                <a:solidFill>
+                  <a:schemeClr val="tx1"/>
+                </a:solidFill>
+                <a:effectLst/>
+                <a:latin typeface="+mn-lt"/>
+                <a:ea typeface="+mn-ea"/>
+                <a:cs typeface="+mn-cs"/>
+              </a:rPr>
+              <a:t> bestimmte Nutzertypen besonders häufig auftreten – differenziert nach </a:t>
+            </a:r>
+            <a:r>
+              <a:rPr lang="de-DE" sz="1200" b="1" kern="1200" dirty="0">
+                <a:solidFill>
+                  <a:schemeClr val="tx1"/>
+                </a:solidFill>
+                <a:effectLst/>
+                <a:latin typeface="+mn-lt"/>
+                <a:ea typeface="+mn-ea"/>
+                <a:cs typeface="+mn-cs"/>
+              </a:rPr>
+              <a:t>**Wochentagen**</a:t>
+            </a:r>
+            <a:r>
+              <a:rPr lang="de-DE" sz="1200" b="0" kern="1200" dirty="0">
+                <a:solidFill>
+                  <a:schemeClr val="tx1"/>
+                </a:solidFill>
+                <a:effectLst/>
+                <a:latin typeface="+mn-lt"/>
+                <a:ea typeface="+mn-ea"/>
+                <a:cs typeface="+mn-cs"/>
+              </a:rPr>
+              <a:t> und </a:t>
+            </a:r>
+            <a:r>
+              <a:rPr lang="de-DE" sz="1200" b="1" kern="1200" dirty="0">
+                <a:solidFill>
+                  <a:schemeClr val="tx1"/>
+                </a:solidFill>
+                <a:effectLst/>
+                <a:latin typeface="+mn-lt"/>
+                <a:ea typeface="+mn-ea"/>
+                <a:cs typeface="+mn-cs"/>
+              </a:rPr>
+              <a:t>**Feiertagen**</a:t>
+            </a:r>
+            <a:r>
+              <a:rPr lang="de-DE" sz="1200" b="0" kern="1200" dirty="0">
+                <a:solidFill>
+                  <a:schemeClr val="tx1"/>
+                </a:solidFill>
+                <a:effectLst/>
+                <a:latin typeface="+mn-lt"/>
+                <a:ea typeface="+mn-ea"/>
+                <a:cs typeface="+mn-cs"/>
+              </a:rPr>
+              <a:t>. Ziel ist es, zeitliche Nutzungsmuster in den bereits identifizierten Clustern sichtbar zu machen.</a:t>
+            </a:r>
+          </a:p>
+          <a:p>
             <a:br>
-              <a:rPr lang="de-DE" sz="1200" b="0" dirty="0">
-                <a:effectLst/>
+              <a:rPr lang="de-DE" sz="1200" b="0" kern="1200" dirty="0">
+                <a:solidFill>
+                  <a:schemeClr val="tx1"/>
+                </a:solidFill>
+                <a:effectLst/>
+                <a:latin typeface="+mn-lt"/>
+                <a:ea typeface="+mn-ea"/>
+                <a:cs typeface="+mn-cs"/>
               </a:rPr>
             </a:br>
             <a:r>
-              <a:rPr lang="de-DE" sz="1200" b="1" dirty="0">
-                <a:effectLst/>
-              </a:rPr>
-              <a:t>Warum ist das nützlich?</a:t>
-            </a:r>
-            <a:endParaRPr lang="de-DE" sz="1200" dirty="0"/>
-          </a:p>
-          <a:p>
-            <a:pPr>
-              <a:lnSpc>
-                <a:spcPts val="1425"/>
-              </a:lnSpc>
-              <a:buNone/>
-            </a:pPr>
+              <a:rPr lang="de-DE" sz="1200" b="1" kern="1200" dirty="0">
+                <a:solidFill>
+                  <a:schemeClr val="tx1"/>
+                </a:solidFill>
+                <a:effectLst/>
+                <a:latin typeface="+mn-lt"/>
+                <a:ea typeface="+mn-ea"/>
+                <a:cs typeface="+mn-cs"/>
+              </a:rPr>
+              <a:t>Was macht der Code?  </a:t>
+            </a:r>
+            <a:endParaRPr lang="de-DE" sz="1200" b="0" kern="1200" dirty="0">
+              <a:solidFill>
+                <a:schemeClr val="tx1"/>
+              </a:solidFill>
+              <a:effectLst/>
+              <a:latin typeface="+mn-lt"/>
+              <a:ea typeface="+mn-ea"/>
+              <a:cs typeface="+mn-cs"/>
+            </a:endParaRPr>
+          </a:p>
+          <a:p>
             <a:br>
-              <a:rPr lang="de-DE" sz="1200" b="0" dirty="0">
-                <a:effectLst/>
+              <a:rPr lang="de-DE" sz="1200" b="0" kern="1200" dirty="0">
+                <a:solidFill>
+                  <a:schemeClr val="tx1"/>
+                </a:solidFill>
+                <a:effectLst/>
+                <a:latin typeface="+mn-lt"/>
+                <a:ea typeface="+mn-ea"/>
+                <a:cs typeface="+mn-cs"/>
               </a:rPr>
             </a:br>
             <a:r>
-              <a:rPr lang="de-DE" sz="1200" b="0" dirty="0">
-                <a:effectLst/>
-              </a:rPr>
-              <a:t>Die </a:t>
-            </a:r>
-            <a:r>
-              <a:rPr lang="de-DE" sz="1200" b="1" dirty="0">
-                <a:effectLst/>
-              </a:rPr>
-              <a:t>Cluster helfen dabei, Landingpages nach Nutzungsintensität zu gruppieren</a:t>
-            </a:r>
-            <a:r>
-              <a:rPr lang="de-DE" sz="1200" b="0" dirty="0">
-                <a:effectLst/>
-              </a:rPr>
-              <a:t>, ohne dass man feste Schwellenwerte definieren muss.</a:t>
-            </a:r>
-          </a:p>
-          <a:p>
-            <a:pPr>
-              <a:lnSpc>
-                <a:spcPts val="1425"/>
-              </a:lnSpc>
-              <a:buNone/>
-            </a:pPr>
-            <a:endParaRPr lang="de-DE" sz="1200" b="0" dirty="0">
+              <a:rPr lang="de-DE" sz="1200" b="0" kern="1200" dirty="0">
+                <a:solidFill>
+                  <a:schemeClr val="tx1"/>
+                </a:solidFill>
+                <a:effectLst/>
+                <a:latin typeface="+mn-lt"/>
+                <a:ea typeface="+mn-ea"/>
+                <a:cs typeface="+mn-cs"/>
+              </a:rPr>
+              <a:t>1. </a:t>
+            </a:r>
+            <a:r>
+              <a:rPr lang="de-DE" sz="1200" b="1" kern="1200" dirty="0" err="1">
+                <a:solidFill>
+                  <a:schemeClr val="tx1"/>
+                </a:solidFill>
+                <a:effectLst/>
+                <a:latin typeface="+mn-lt"/>
+                <a:ea typeface="+mn-ea"/>
+                <a:cs typeface="+mn-cs"/>
+              </a:rPr>
+              <a:t>Wochentagsanalyse</a:t>
+            </a:r>
+            <a:r>
+              <a:rPr lang="de-DE" sz="1200" b="1" kern="1200" dirty="0">
+                <a:solidFill>
+                  <a:schemeClr val="tx1"/>
+                </a:solidFill>
+                <a:effectLst/>
+                <a:latin typeface="+mn-lt"/>
+                <a:ea typeface="+mn-ea"/>
+                <a:cs typeface="+mn-cs"/>
+              </a:rPr>
+              <a:t> pro Clustergruppe:</a:t>
+            </a:r>
+            <a:endParaRPr lang="de-DE" sz="1200" b="0" kern="1200" dirty="0">
+              <a:solidFill>
+                <a:schemeClr val="tx1"/>
+              </a:solidFill>
               <a:effectLst/>
+              <a:latin typeface="+mn-lt"/>
+              <a:ea typeface="+mn-ea"/>
+              <a:cs typeface="+mn-cs"/>
             </a:endParaRPr>
           </a:p>
           <a:p>
-            <a:pPr marL="0" indent="0">
-              <a:lnSpc>
-                <a:spcPts val="1425"/>
-              </a:lnSpc>
-              <a:buFont typeface="Arial" panose="020B0604020202020204" pitchFamily="34" charset="0"/>
-              <a:buNone/>
-            </a:pPr>
-            <a:r>
-              <a:rPr lang="de-DE" sz="1200" b="0" dirty="0">
-                <a:effectLst/>
-              </a:rPr>
-              <a:t>So lassen sich beispielsweise Seiten mit </a:t>
-            </a:r>
-            <a:r>
-              <a:rPr lang="de-DE" sz="1200" b="1" dirty="0">
-                <a:effectLst/>
-              </a:rPr>
-              <a:t>Optimierungspotenzial</a:t>
-            </a:r>
-            <a:r>
-              <a:rPr lang="de-DE" sz="1200" b="0" dirty="0">
-                <a:effectLst/>
-              </a:rPr>
-              <a:t> oder solche mit </a:t>
-            </a:r>
-            <a:r>
-              <a:rPr lang="de-DE" sz="1200" b="1" dirty="0">
-                <a:effectLst/>
-              </a:rPr>
-              <a:t>besonders hoher Sichtbarkeit</a:t>
-            </a:r>
-            <a:r>
-              <a:rPr lang="de-DE" sz="1200" b="0" dirty="0">
-                <a:effectLst/>
-              </a:rPr>
-              <a:t> gezielt identifizieren. </a:t>
-            </a:r>
-          </a:p>
-          <a:p>
-            <a:pPr marL="171450" indent="-171450">
-              <a:lnSpc>
-                <a:spcPts val="1425"/>
-              </a:lnSpc>
-              <a:buFont typeface="Arial" panose="020B0604020202020204" pitchFamily="34" charset="0"/>
-              <a:buChar char="•"/>
-            </a:pPr>
-            <a:endParaRPr lang="de-DE" sz="1200" b="0" dirty="0">
-              <a:effectLst/>
-            </a:endParaRPr>
-          </a:p>
-          <a:p>
-            <a:pPr>
-              <a:lnSpc>
-                <a:spcPts val="1425"/>
-              </a:lnSpc>
-              <a:buNone/>
-            </a:pPr>
-            <a:r>
-              <a:rPr lang="de-DE" sz="1200" b="0" dirty="0">
-                <a:effectLst/>
-              </a:rPr>
-              <a:t>Die farbige Visualisierung im Plot bietet einen schnellen Überblick über die Nutzungsstruktur der wichtigsten Seiten.</a:t>
-            </a:r>
-          </a:p>
-          <a:p>
-            <a:endParaRPr lang="de-DE" dirty="0"/>
+            <a:r>
+              <a:rPr lang="de-DE" sz="1200" b="0" kern="1200" dirty="0">
+                <a:solidFill>
+                  <a:schemeClr val="tx1"/>
+                </a:solidFill>
+                <a:effectLst/>
+                <a:latin typeface="+mn-lt"/>
+                <a:ea typeface="+mn-ea"/>
+                <a:cs typeface="+mn-cs"/>
+              </a:rPr>
+              <a:t>   Es werden die zuvor gebildeten Clusterlabels (z. B. aus „Device-Verhalten“ oder „Engagement-Verhalten“) gruppiert, um zu untersuchen, an welchen Wochentagen diese Nutzergruppen besonders häufig auftreten. Die Häufigkeit wird für jeden Wochentag gezählt und als Balkendiagramm visualisiert.</a:t>
+            </a:r>
+          </a:p>
+          <a:p>
+            <a:br>
+              <a:rPr lang="de-DE" sz="1200" b="0" kern="1200" dirty="0">
+                <a:solidFill>
+                  <a:schemeClr val="tx1"/>
+                </a:solidFill>
+                <a:effectLst/>
+                <a:latin typeface="+mn-lt"/>
+                <a:ea typeface="+mn-ea"/>
+                <a:cs typeface="+mn-cs"/>
+              </a:rPr>
+            </a:br>
+            <a:r>
+              <a:rPr lang="de-DE" sz="1200" b="0" kern="1200" dirty="0">
+                <a:solidFill>
+                  <a:schemeClr val="tx1"/>
+                </a:solidFill>
+                <a:effectLst/>
+                <a:latin typeface="+mn-lt"/>
+                <a:ea typeface="+mn-ea"/>
+                <a:cs typeface="+mn-cs"/>
+              </a:rPr>
+              <a:t>2. </a:t>
+            </a:r>
+            <a:r>
+              <a:rPr lang="de-DE" sz="1200" b="0" kern="1200" dirty="0" err="1">
+                <a:solidFill>
+                  <a:schemeClr val="tx1"/>
+                </a:solidFill>
+                <a:effectLst/>
+                <a:latin typeface="+mn-lt"/>
+                <a:ea typeface="+mn-ea"/>
+                <a:cs typeface="+mn-cs"/>
+              </a:rPr>
+              <a:t>b</a:t>
+            </a:r>
+            <a:r>
+              <a:rPr lang="de-DE" sz="1200" b="1" kern="1200" dirty="0" err="1">
+                <a:solidFill>
+                  <a:schemeClr val="tx1"/>
+                </a:solidFill>
+                <a:effectLst/>
+                <a:latin typeface="+mn-lt"/>
+                <a:ea typeface="+mn-ea"/>
+                <a:cs typeface="+mn-cs"/>
+              </a:rPr>
+              <a:t>Feiertagsanalyse</a:t>
+            </a:r>
+            <a:r>
+              <a:rPr lang="de-DE" sz="1200" b="1" kern="1200" dirty="0">
+                <a:solidFill>
+                  <a:schemeClr val="tx1"/>
+                </a:solidFill>
+                <a:effectLst/>
+                <a:latin typeface="+mn-lt"/>
+                <a:ea typeface="+mn-ea"/>
+                <a:cs typeface="+mn-cs"/>
+              </a:rPr>
+              <a:t> pro Clustergruppe:</a:t>
+            </a:r>
+            <a:r>
+              <a:rPr lang="de-DE" sz="1200" b="0" kern="1200" dirty="0">
+                <a:solidFill>
+                  <a:schemeClr val="tx1"/>
+                </a:solidFill>
+                <a:effectLst/>
+                <a:latin typeface="+mn-lt"/>
+                <a:ea typeface="+mn-ea"/>
+                <a:cs typeface="+mn-cs"/>
+              </a:rPr>
+              <a:t> </a:t>
+            </a:r>
+          </a:p>
+          <a:p>
+            <a:r>
+              <a:rPr lang="de-DE" sz="1200" b="0" kern="1200" dirty="0">
+                <a:solidFill>
+                  <a:schemeClr val="tx1"/>
+                </a:solidFill>
+                <a:effectLst/>
+                <a:latin typeface="+mn-lt"/>
+                <a:ea typeface="+mn-ea"/>
+                <a:cs typeface="+mn-cs"/>
+              </a:rPr>
+              <a:t>   In einem zweiten Schritt wird geprüft, ob sich bestimmte Cluster auch an Feiertagen überproportional zeigen. Dazu wird eine gefilterte Feiertags-Tabelle genutzt, die angibt, wie häufig einzelne Cluster an spezifischen Feiertagen auftreten.</a:t>
+            </a:r>
           </a:p>
         </p:txBody>
       </p:sp>
@@ -992,7 +1141,7 @@
           <a:p>
             <a:fld id="{6D0EAAEC-3026-475C-AE13-EBFCAFEF86C8}" type="slidenum">
               <a:rPr lang="de-DE" smtClean="0"/>
-              <a:t>11</a:t>
+              <a:t>12</a:t>
             </a:fld>
             <a:endParaRPr lang="de-DE"/>
           </a:p>
@@ -1001,7 +1150,7 @@
     </p:spTree>
     <p:extLst>
       <p:ext uri="{BB962C8B-B14F-4D97-AF65-F5344CB8AC3E}">
-        <p14:creationId xmlns:p14="http://schemas.microsoft.com/office/powerpoint/2010/main" val="3368151795"/>
+        <p14:creationId xmlns:p14="http://schemas.microsoft.com/office/powerpoint/2010/main" val="2143588248"/>
       </p:ext>
     </p:extLst>
   </p:cSld>
@@ -1055,117 +1204,155 @@
           <a:bodyPr/>
           <a:lstStyle/>
           <a:p>
-            <a:r>
-              <a:rPr lang="de-DE" sz="1200" b="1" dirty="0"/>
-              <a:t>Interpretation der Cluster</a:t>
-            </a:r>
-          </a:p>
-          <a:p>
-            <a:r>
-              <a:rPr lang="de-DE" sz="1200" dirty="0"/>
-              <a:t>Großer Traffic, geringes Engagement:</a:t>
-            </a:r>
-          </a:p>
-          <a:p>
-            <a:r>
-              <a:rPr lang="de-DE" sz="1200" dirty="0"/>
-              <a:t>Quellen mit vielen Sitzungen, aber eher wenigen Seitenaufrufen pro Besuch (z. B. „</a:t>
-            </a:r>
-            <a:r>
-              <a:rPr lang="de-DE" sz="1200" dirty="0" err="1"/>
-              <a:t>google</a:t>
-            </a:r>
-            <a:r>
-              <a:rPr lang="de-DE" sz="1200" dirty="0"/>
-              <a:t>“).</a:t>
-            </a:r>
-          </a:p>
-          <a:p>
+            <a:pPr>
+              <a:lnSpc>
+                <a:spcPts val="1425"/>
+              </a:lnSpc>
+              <a:buNone/>
+            </a:pPr>
+            <a:r>
+              <a:rPr lang="de-DE" sz="1200" b="0" dirty="0">
+                <a:effectLst/>
+              </a:rPr>
+              <a:t>Für die Analyse wurden die 15 meistbesuchten Seiten betrachtet. Jede Seite wurde einem Cluster zugeordnet, um die Nutzungsintensität zu kategorisieren. Die genaue Verteilung der Seiten auf die Cluster hängt vom Ergebnis der Clusteranalyse ab und kann variieren.</a:t>
+            </a:r>
+          </a:p>
+          <a:p>
+            <a:pPr>
+              <a:lnSpc>
+                <a:spcPts val="1425"/>
+              </a:lnSpc>
+              <a:buNone/>
+            </a:pPr>
+            <a:endParaRPr lang="de-DE" sz="1200" b="0" dirty="0">
+              <a:effectLst/>
+            </a:endParaRPr>
+          </a:p>
+          <a:p>
+            <a:pPr>
+              <a:lnSpc>
+                <a:spcPts val="1425"/>
+              </a:lnSpc>
+              <a:buNone/>
+            </a:pPr>
+            <a:br>
+              <a:rPr lang="de-DE" sz="1200" b="0" dirty="0">
+                <a:effectLst/>
+              </a:rPr>
+            </a:br>
+            <a:r>
+              <a:rPr lang="de-DE" sz="1200" b="1" dirty="0">
+                <a:effectLst/>
+              </a:rPr>
+              <a:t>Warum ist das nützlich?</a:t>
+            </a:r>
             <a:endParaRPr lang="de-DE" sz="1200" dirty="0"/>
           </a:p>
           <a:p>
-            <a:r>
-              <a:rPr lang="de-DE" sz="1200" dirty="0"/>
-              <a:t>Mittlerer Traffic, hohes Engagement:</a:t>
-            </a:r>
-          </a:p>
-          <a:p>
-            <a:r>
-              <a:rPr lang="de-DE" sz="1200" dirty="0"/>
-              <a:t>Quellen mit weniger Besuchen als Cluster 1, aber viel mehr Seitenaufrufen pro Sitzung (z. B. „</a:t>
-            </a:r>
-            <a:r>
-              <a:rPr lang="de-DE" sz="1200" dirty="0" err="1"/>
-              <a:t>direct</a:t>
-            </a:r>
-            <a:r>
-              <a:rPr lang="de-DE" sz="1200" dirty="0"/>
-              <a:t>“).</a:t>
-            </a:r>
-          </a:p>
-          <a:p>
-            <a:endParaRPr lang="de-DE" sz="1200" dirty="0"/>
-          </a:p>
-          <a:p>
-            <a:r>
-              <a:rPr lang="de-DE" sz="1200" dirty="0"/>
-              <a:t>Kleiner Traffic, moderates Engagement:</a:t>
-            </a:r>
-          </a:p>
-          <a:p>
-            <a:r>
-              <a:rPr lang="de-DE" sz="1200" dirty="0"/>
-              <a:t>Quellen mit wenig Traffic und moderaten Seitenaufrufen pro Sitzung (z. B. „Andere“, „kompetenznetz-einsamkeit.de“).</a:t>
-            </a:r>
-          </a:p>
-          <a:p>
-            <a:endParaRPr lang="de-DE" sz="1200" b="1" dirty="0"/>
-          </a:p>
-          <a:p>
-            <a:r>
-              <a:rPr lang="de-DE" sz="1200" b="1" dirty="0"/>
-              <a:t>Fazit</a:t>
-            </a:r>
-          </a:p>
-          <a:p>
-            <a:r>
-              <a:rPr lang="de-DE" sz="1200" dirty="0"/>
-              <a:t>Diese Clustering-Analyse hilft, die Besucherquellen besser zu verstehen und gezielt Prioritäten zu setzen:</a:t>
-            </a:r>
-          </a:p>
-          <a:p>
-            <a:endParaRPr lang="de-DE" sz="1200" dirty="0"/>
-          </a:p>
-          <a:p>
-            <a:r>
-              <a:rPr lang="de-DE" sz="1200" dirty="0"/>
-              <a:t>Große Traffic-Quellen wie „</a:t>
-            </a:r>
-            <a:r>
-              <a:rPr lang="de-DE" sz="1200" dirty="0" err="1"/>
-              <a:t>google</a:t>
-            </a:r>
-            <a:r>
-              <a:rPr lang="de-DE" sz="1200" dirty="0"/>
-              <a:t>“ brauchen Maßnahmen, um das Engagement zu erhöhen.</a:t>
-            </a:r>
-          </a:p>
-          <a:p>
-            <a:endParaRPr lang="de-DE" sz="1200" dirty="0"/>
-          </a:p>
-          <a:p>
-            <a:r>
-              <a:rPr lang="de-DE" sz="1200" dirty="0"/>
-              <a:t>Direktzugriffe sind sehr engagiert, hier lohnt sich eine Pflege der Inhalte.</a:t>
-            </a:r>
-          </a:p>
-          <a:p>
-            <a:endParaRPr lang="de-DE" sz="1200" dirty="0"/>
-          </a:p>
-          <a:p>
-            <a:r>
-              <a:rPr lang="de-DE" sz="1200" dirty="0"/>
-              <a:t>Andere Quellen sollten weiter beobachtet werden, da sie zwar kleiner sind, aber dennoch wertvolles Engagement liefern können.</a:t>
+            <a:pPr>
+              <a:lnSpc>
+                <a:spcPts val="1425"/>
+              </a:lnSpc>
+              <a:buNone/>
+            </a:pPr>
+            <a:br>
+              <a:rPr lang="de-DE" sz="1200" b="0" dirty="0">
+                <a:effectLst/>
+              </a:rPr>
+            </a:br>
+            <a:r>
+              <a:rPr lang="de-DE" sz="1200" b="0" dirty="0">
+                <a:effectLst/>
+              </a:rPr>
+              <a:t>Die </a:t>
+            </a:r>
+            <a:r>
+              <a:rPr lang="de-DE" sz="1200" b="1" dirty="0">
+                <a:effectLst/>
+              </a:rPr>
+              <a:t>Cluster helfen dabei, Landingpages nach Nutzungsintensität zu gruppieren</a:t>
+            </a:r>
+            <a:r>
+              <a:rPr lang="de-DE" sz="1200" b="0" dirty="0">
+                <a:effectLst/>
+              </a:rPr>
+              <a:t>, ohne dass man feste Schwellenwerte definieren muss.</a:t>
+            </a:r>
+          </a:p>
+          <a:p>
+            <a:pPr>
+              <a:lnSpc>
+                <a:spcPts val="1425"/>
+              </a:lnSpc>
+              <a:buNone/>
+            </a:pPr>
+            <a:endParaRPr lang="de-DE" sz="1200" b="0" dirty="0">
+              <a:effectLst/>
+            </a:endParaRPr>
+          </a:p>
+          <a:p>
+            <a:pPr marL="0" indent="0">
+              <a:lnSpc>
+                <a:spcPts val="1425"/>
+              </a:lnSpc>
+              <a:buFont typeface="Arial" panose="020B0604020202020204" pitchFamily="34" charset="0"/>
+              <a:buNone/>
+            </a:pPr>
+            <a:r>
+              <a:rPr lang="de-DE" sz="1200" b="0" dirty="0">
+                <a:effectLst/>
+              </a:rPr>
+              <a:t>So lassen sich beispielsweise Seiten mit </a:t>
+            </a:r>
+            <a:r>
+              <a:rPr lang="de-DE" sz="1200" b="1" dirty="0">
+                <a:effectLst/>
+              </a:rPr>
+              <a:t>Optimierungspotenzial</a:t>
+            </a:r>
+            <a:r>
+              <a:rPr lang="de-DE" sz="1200" b="0" dirty="0">
+                <a:effectLst/>
+              </a:rPr>
+              <a:t> oder solche mit </a:t>
+            </a:r>
+            <a:r>
+              <a:rPr lang="de-DE" sz="1200" b="1" dirty="0">
+                <a:effectLst/>
+              </a:rPr>
+              <a:t>besonders hoher Sichtbarkeit</a:t>
+            </a:r>
+            <a:r>
+              <a:rPr lang="de-DE" sz="1200" b="0" dirty="0">
+                <a:effectLst/>
+              </a:rPr>
+              <a:t> gezielt identifizieren. </a:t>
+            </a:r>
+          </a:p>
+          <a:p>
+            <a:pPr marL="171450" indent="-171450">
+              <a:lnSpc>
+                <a:spcPts val="1425"/>
+              </a:lnSpc>
+              <a:buFont typeface="Arial" panose="020B0604020202020204" pitchFamily="34" charset="0"/>
+              <a:buChar char="•"/>
+            </a:pPr>
+            <a:endParaRPr lang="de-DE" sz="1200" b="0" dirty="0">
+              <a:effectLst/>
+            </a:endParaRPr>
+          </a:p>
+          <a:p>
+            <a:pPr>
+              <a:lnSpc>
+                <a:spcPts val="1425"/>
+              </a:lnSpc>
+              <a:buNone/>
+            </a:pPr>
+            <a:r>
+              <a:rPr lang="de-DE" sz="1200" b="0" dirty="0">
+                <a:effectLst/>
+              </a:rPr>
+              <a:t>Die farbige Visualisierung im Plot bietet einen schnellen Überblick über die Nutzungsstruktur der wichtigsten Seiten.</a:t>
             </a:r>
           </a:p>
           <a:p>
@@ -1190,7 +1377,7 @@
           <a:p>
             <a:fld id="{6D0EAAEC-3026-475C-AE13-EBFCAFEF86C8}" type="slidenum">
               <a:rPr lang="de-DE" smtClean="0"/>
-              <a:t>12</a:t>
+              <a:t>13</a:t>
             </a:fld>
             <a:endParaRPr lang="de-DE"/>
           </a:p>
@@ -1199,7 +1386,7 @@
     </p:spTree>
     <p:extLst>
       <p:ext uri="{BB962C8B-B14F-4D97-AF65-F5344CB8AC3E}">
-        <p14:creationId xmlns:p14="http://schemas.microsoft.com/office/powerpoint/2010/main" val="2310381196"/>
+        <p14:creationId xmlns:p14="http://schemas.microsoft.com/office/powerpoint/2010/main" val="3368151795"/>
       </p:ext>
     </p:extLst>
   </p:cSld>
@@ -1255,191 +1442,115 @@
           <a:p>
             <a:r>
               <a:rPr lang="de-DE" sz="1200" b="1" dirty="0"/>
-              <a:t>Beobachtungen:</a:t>
-            </a:r>
+              <a:t>Interpretation der Cluster</a:t>
+            </a:r>
+          </a:p>
+          <a:p>
+            <a:r>
+              <a:rPr lang="de-DE" sz="1200" dirty="0"/>
+              <a:t>Großer Traffic, geringes Engagement:</a:t>
+            </a:r>
+          </a:p>
+          <a:p>
+            <a:r>
+              <a:rPr lang="de-DE" sz="1200" dirty="0"/>
+              <a:t>Quellen mit vielen Sitzungen, aber eher wenigen Seitenaufrufen pro Besuch (z. B. „</a:t>
+            </a:r>
+            <a:r>
+              <a:rPr lang="de-DE" sz="1200" dirty="0" err="1"/>
+              <a:t>google</a:t>
+            </a:r>
+            <a:r>
+              <a:rPr lang="de-DE" sz="1200" dirty="0"/>
+              <a:t>“).</a:t>
+            </a:r>
+          </a:p>
+          <a:p>
             <a:endParaRPr lang="de-DE" sz="1200" dirty="0"/>
           </a:p>
           <a:p>
             <a:r>
               <a:rPr lang="de-DE" sz="1200" dirty="0"/>
-              <a:t>- </a:t>
-            </a:r>
+              <a:t>Mittlerer Traffic, hohes Engagement:</a:t>
+            </a:r>
+          </a:p>
+          <a:p>
+            <a:r>
+              <a:rPr lang="de-DE" sz="1200" dirty="0"/>
+              <a:t>Quellen mit weniger Besuchen als Cluster 1, aber viel mehr Seitenaufrufen pro Sitzung (z. B. „</a:t>
+            </a:r>
+            <a:r>
+              <a:rPr lang="de-DE" sz="1200" dirty="0" err="1"/>
+              <a:t>direct</a:t>
+            </a:r>
+            <a:r>
+              <a:rPr lang="de-DE" sz="1200" dirty="0"/>
+              <a:t>“).</a:t>
+            </a:r>
+          </a:p>
+          <a:p>
+            <a:endParaRPr lang="de-DE" sz="1200" dirty="0"/>
+          </a:p>
+          <a:p>
+            <a:r>
+              <a:rPr lang="de-DE" sz="1200" dirty="0"/>
+              <a:t>Kleiner Traffic, moderates Engagement:</a:t>
+            </a:r>
+          </a:p>
+          <a:p>
+            <a:r>
+              <a:rPr lang="de-DE" sz="1200" dirty="0"/>
+              <a:t>Quellen mit wenig Traffic und moderaten Seitenaufrufen pro Sitzung (z. B. „Andere“, „kompetenznetz-einsamkeit.de“).</a:t>
+            </a:r>
+          </a:p>
+          <a:p>
+            <a:endParaRPr lang="de-DE" sz="1200" b="1" dirty="0"/>
+          </a:p>
+          <a:p>
             <a:r>
               <a:rPr lang="de-DE" sz="1200" b="1" dirty="0"/>
-              <a:t>„</a:t>
-            </a:r>
-            <a:r>
-              <a:rPr lang="de-DE" sz="1200" b="1" dirty="0" err="1"/>
-              <a:t>Checked</a:t>
-            </a:r>
-            <a:r>
-              <a:rPr lang="de-DE" sz="1200" b="1" dirty="0"/>
-              <a:t>“</a:t>
-            </a:r>
+              <a:t>Fazit</a:t>
+            </a:r>
+          </a:p>
+          <a:p>
             <a:r>
               <a:rPr lang="de-DE" sz="1200" dirty="0"/>
-              <a:t> ist mit Abstand das häufigste Event – vermutlich ausgelöst durch das Öffnendes Filters der Redner auf der Website</a:t>
-            </a:r>
+              <a:t>Diese Clustering-Analyse hilft, die Besucherquellen besser zu verstehen und gezielt Prioritäten zu setzen:</a:t>
+            </a:r>
+          </a:p>
+          <a:p>
+            <a:endParaRPr lang="de-DE" sz="1200" dirty="0"/>
           </a:p>
           <a:p>
             <a:r>
               <a:rPr lang="de-DE" sz="1200" dirty="0"/>
-              <a:t>- </a:t>
-            </a:r>
-            <a:r>
-              <a:rPr lang="de-DE" sz="1200" b="1" dirty="0"/>
-              <a:t>„Website“, „Email“ und „Phone“</a:t>
+              <a:t>Große Traffic-Quellen wie „</a:t>
+            </a:r>
+            <a:r>
+              <a:rPr lang="de-DE" sz="1200" dirty="0" err="1"/>
+              <a:t>google</a:t>
             </a:r>
             <a:r>
               <a:rPr lang="de-DE" sz="1200" dirty="0"/>
-              <a:t> sind </a:t>
-            </a:r>
-            <a:r>
-              <a:rPr lang="de-DE" sz="1200"/>
-              <a:t>Kontaktwege. Diese </a:t>
-            </a:r>
+              <a:t>“ brauchen Maßnahmen, um das Engagement zu erhöhen.</a:t>
+            </a:r>
+          </a:p>
+          <a:p>
+            <a:endParaRPr lang="de-DE" sz="1200" dirty="0"/>
+          </a:p>
+          <a:p>
             <a:r>
               <a:rPr lang="de-DE" sz="1200" dirty="0"/>
-              <a:t>Events lassen sich als konkrete </a:t>
-            </a:r>
-            <a:r>
-              <a:rPr lang="de-DE" sz="1200" dirty="0" err="1"/>
-              <a:t>Conversion</a:t>
-            </a:r>
+              <a:t>Direktzugriffe sind sehr engagiert, hier lohnt sich eine Pflege der Inhalte.</a:t>
+            </a:r>
+          </a:p>
+          <a:p>
+            <a:endParaRPr lang="de-DE" sz="1200" dirty="0"/>
+          </a:p>
+          <a:p>
             <a:r>
               <a:rPr lang="de-DE" sz="1200" dirty="0"/>
-              <a:t>-Schritte interpretieren.</a:t>
-            </a:r>
-          </a:p>
-          <a:p>
-            <a:r>
-              <a:rPr lang="de-DE" sz="1200" dirty="0"/>
-              <a:t>- </a:t>
-            </a:r>
-            <a:r>
-              <a:rPr lang="de-DE" sz="1200" b="1" dirty="0"/>
-              <a:t>„Image“</a:t>
-            </a:r>
-            <a:r>
-              <a:rPr lang="de-DE" sz="1200" dirty="0"/>
-              <a:t> ist kaum relevant und wird selten genutzt.</a:t>
-            </a:r>
-          </a:p>
-          <a:p>
-            <a:br>
-              <a:rPr lang="de-DE" sz="1200" dirty="0"/>
-            </a:br>
-            <a:r>
-              <a:rPr lang="de-DE" sz="1200" b="1" dirty="0"/>
-              <a:t>Was lässt sich daraus ableiten?</a:t>
-            </a:r>
-            <a:endParaRPr lang="de-DE" sz="1200" dirty="0"/>
-          </a:p>
-          <a:p>
-            <a:br>
-              <a:rPr lang="de-DE" sz="1200" dirty="0"/>
-            </a:br>
-            <a:r>
-              <a:rPr lang="de-DE" sz="1200" dirty="0"/>
-              <a:t>- </a:t>
-            </a:r>
-            <a:r>
-              <a:rPr lang="de-DE" sz="1200" b="1" dirty="0"/>
-              <a:t>Starke Initialinteraktion:</a:t>
-            </a:r>
-            <a:r>
-              <a:rPr lang="de-DE" sz="1200" dirty="0"/>
-              <a:t>  </a:t>
-            </a:r>
-          </a:p>
-          <a:p>
-            <a:r>
-              <a:rPr lang="de-DE" sz="1200" dirty="0"/>
-              <a:t>  Die Nutzer zeigen hohes Interesse beim „Durchklicken“ – das ist ein positives Zeichen für Relevanz und Usability der Einstiegselemente.</a:t>
-            </a:r>
-          </a:p>
-          <a:p>
-            <a:br>
-              <a:rPr lang="de-DE" sz="1200" dirty="0"/>
-            </a:br>
-            <a:r>
-              <a:rPr lang="de-DE" sz="1200" dirty="0"/>
-              <a:t>- </a:t>
-            </a:r>
-            <a:r>
-              <a:rPr lang="de-DE" sz="1200" b="1" dirty="0"/>
-              <a:t>Konversion messbar:</a:t>
-            </a:r>
-            <a:endParaRPr lang="de-DE" sz="1200" dirty="0"/>
-          </a:p>
-          <a:p>
-            <a:r>
-              <a:rPr lang="de-DE" sz="1200" dirty="0"/>
-              <a:t>  Der Rückgang von „</a:t>
-            </a:r>
-            <a:r>
-              <a:rPr lang="de-DE" sz="1200" dirty="0" err="1"/>
-              <a:t>Checked</a:t>
-            </a:r>
-            <a:r>
-              <a:rPr lang="de-DE" sz="1200" dirty="0"/>
-              <a:t>“ (12.828 Nutzer) zu „Email“ (2.961) oder „Phone“ (1.137) ist typisch – zeigt aber auch, dass viele den letzten Schritt </a:t>
-            </a:r>
-            <a:r>
-              <a:rPr lang="de-DE" sz="1200" b="1" dirty="0"/>
-              <a:t>nicht gehen</a:t>
-            </a:r>
-            <a:r>
-              <a:rPr lang="de-DE" sz="1200" dirty="0"/>
-              <a:t>. Gründe könnten Unsicherheit, fehlendes Vertrauen oder ein zu weiter Weg zur Kontaktaufnahme sein.</a:t>
-            </a:r>
-          </a:p>
-          <a:p>
-            <a:br>
-              <a:rPr lang="de-DE" sz="1200" dirty="0"/>
-            </a:br>
-            <a:r>
-              <a:rPr lang="de-DE" sz="1200" dirty="0"/>
-              <a:t>- </a:t>
-            </a:r>
-            <a:r>
-              <a:rPr lang="de-DE" sz="1200" b="1" dirty="0"/>
-              <a:t>Optimierungspotenziale:</a:t>
-            </a:r>
-            <a:endParaRPr lang="de-DE" sz="1200" dirty="0"/>
-          </a:p>
-          <a:p>
-            <a:r>
-              <a:rPr lang="de-DE" sz="1200" dirty="0"/>
-              <a:t>  - CTA-Buttons prominenter platzieren oder besser beschriften („Jetzt anonym Kontakt aufnehmen“).</a:t>
-            </a:r>
-          </a:p>
-          <a:p>
-            <a:r>
-              <a:rPr lang="de-DE" sz="1200" dirty="0"/>
-              <a:t>  - Direkt nach „</a:t>
-            </a:r>
-            <a:r>
-              <a:rPr lang="de-DE" sz="1200" dirty="0" err="1"/>
-              <a:t>Checked</a:t>
-            </a:r>
-            <a:r>
-              <a:rPr lang="de-DE" sz="1200" dirty="0"/>
-              <a:t>“-Aktionen gezielte Call-</a:t>
-            </a:r>
-            <a:r>
-              <a:rPr lang="de-DE" sz="1200" dirty="0" err="1"/>
-              <a:t>to</a:t>
-            </a:r>
-            <a:r>
-              <a:rPr lang="de-DE" sz="1200" dirty="0"/>
-              <a:t>-Action-Einblendungen testen.</a:t>
-            </a:r>
-          </a:p>
-          <a:p>
-            <a:r>
-              <a:rPr lang="de-DE" sz="1200" dirty="0"/>
-              <a:t>  - Vertrauen aufbauen durch Testimonials oder klare Information zur Kontaktaufnahme (z. B. Datenschutz, Anonymität).</a:t>
+              <a:t>Andere Quellen sollten weiter beobachtet werden, da sie zwar kleiner sind, aber dennoch wertvolles Engagement liefern können.</a:t>
             </a:r>
           </a:p>
           <a:p>
@@ -1464,7 +1575,7 @@
           <a:p>
             <a:fld id="{6D0EAAEC-3026-475C-AE13-EBFCAFEF86C8}" type="slidenum">
               <a:rPr lang="de-DE" smtClean="0"/>
-              <a:t>13</a:t>
+              <a:t>14</a:t>
             </a:fld>
             <a:endParaRPr lang="de-DE"/>
           </a:p>
@@ -1473,7 +1584,7 @@
     </p:spTree>
     <p:extLst>
       <p:ext uri="{BB962C8B-B14F-4D97-AF65-F5344CB8AC3E}">
-        <p14:creationId xmlns:p14="http://schemas.microsoft.com/office/powerpoint/2010/main" val="184461416"/>
+        <p14:creationId xmlns:p14="http://schemas.microsoft.com/office/powerpoint/2010/main" val="2310381196"/>
       </p:ext>
     </p:extLst>
   </p:cSld>
@@ -1529,63 +1640,107 @@
           <a:p>
             <a:r>
               <a:rPr lang="de-DE" sz="1200" b="1" dirty="0"/>
-              <a:t>Interpretation der Ergebnisse</a:t>
+              <a:t>Beobachtungen:</a:t>
             </a:r>
             <a:endParaRPr lang="de-DE" sz="1200" dirty="0"/>
+          </a:p>
+          <a:p>
+            <a:r>
+              <a:rPr lang="de-DE" sz="1200" dirty="0"/>
+              <a:t>- </a:t>
+            </a:r>
+            <a:r>
+              <a:rPr lang="de-DE" sz="1200" b="1" dirty="0"/>
+              <a:t>„</a:t>
+            </a:r>
+            <a:r>
+              <a:rPr lang="de-DE" sz="1200" b="1" dirty="0" err="1"/>
+              <a:t>Checked</a:t>
+            </a:r>
+            <a:r>
+              <a:rPr lang="de-DE" sz="1200" b="1" dirty="0"/>
+              <a:t>“</a:t>
+            </a:r>
+            <a:r>
+              <a:rPr lang="de-DE" sz="1200" dirty="0"/>
+              <a:t> ist mit Abstand das häufigste Event – vermutlich ausgelöst durch das Öffnendes Filters der Redner auf der Website</a:t>
+            </a:r>
+          </a:p>
+          <a:p>
+            <a:r>
+              <a:rPr lang="de-DE" sz="1200" dirty="0"/>
+              <a:t>- </a:t>
+            </a:r>
+            <a:r>
+              <a:rPr lang="de-DE" sz="1200" b="1" dirty="0"/>
+              <a:t>„Website“, „Email“ und „Phone“</a:t>
+            </a:r>
+            <a:r>
+              <a:rPr lang="de-DE" sz="1200" dirty="0"/>
+              <a:t> sind </a:t>
+            </a:r>
+            <a:r>
+              <a:rPr lang="de-DE" sz="1200"/>
+              <a:t>Kontaktwege. Diese </a:t>
+            </a:r>
+            <a:r>
+              <a:rPr lang="de-DE" sz="1200" dirty="0"/>
+              <a:t>Events lassen sich als konkrete </a:t>
+            </a:r>
+            <a:r>
+              <a:rPr lang="de-DE" sz="1200" dirty="0" err="1"/>
+              <a:t>Conversion</a:t>
+            </a:r>
+            <a:r>
+              <a:rPr lang="de-DE" sz="1200" dirty="0"/>
+              <a:t>-Schritte interpretieren.</a:t>
+            </a:r>
+          </a:p>
+          <a:p>
+            <a:r>
+              <a:rPr lang="de-DE" sz="1200" dirty="0"/>
+              <a:t>- </a:t>
+            </a:r>
+            <a:r>
+              <a:rPr lang="de-DE" sz="1200" b="1" dirty="0"/>
+              <a:t>„Image“</a:t>
+            </a:r>
+            <a:r>
+              <a:rPr lang="de-DE" sz="1200" dirty="0"/>
+              <a:t> ist kaum relevant und wird selten genutzt.</a:t>
+            </a:r>
           </a:p>
           <a:p>
             <a:br>
               <a:rPr lang="de-DE" sz="1200" dirty="0"/>
             </a:br>
+            <a:r>
+              <a:rPr lang="de-DE" sz="1200" b="1" dirty="0"/>
+              <a:t>Was lässt sich daraus ableiten?</a:t>
+            </a:r>
+            <a:endParaRPr lang="de-DE" sz="1200" dirty="0"/>
+          </a:p>
+          <a:p>
             <a:br>
               <a:rPr lang="de-DE" sz="1200" dirty="0"/>
             </a:br>
             <a:r>
+              <a:rPr lang="de-DE" sz="1200" dirty="0"/>
+              <a:t>- </a:t>
+            </a:r>
+            <a:r>
               <a:rPr lang="de-DE" sz="1200" b="1" dirty="0"/>
-              <a:t>Auffällig:</a:t>
-            </a:r>
-            <a:endParaRPr lang="de-DE" sz="1200" dirty="0"/>
-          </a:p>
-          <a:p>
+              <a:t>Starke Initialinteraktion:</a:t>
+            </a:r>
             <a:r>
               <a:rPr lang="de-DE" sz="1200" dirty="0"/>
-              <a:t>- Die Seite „Ich brauche Redezeit“ generiert </a:t>
-            </a:r>
-            <a:r>
-              <a:rPr lang="de-DE" sz="1200" b="1" dirty="0"/>
-              <a:t>extrem viele Aufrufe</a:t>
-            </a:r>
+              <a:t>  </a:t>
+            </a:r>
+          </a:p>
+          <a:p>
             <a:r>
               <a:rPr lang="de-DE" sz="1200" dirty="0"/>
-              <a:t> über mehrere Quellen – besonders Google und Direktzugriffe.</a:t>
-            </a:r>
-          </a:p>
-          <a:p>
-            <a:r>
-              <a:rPr lang="de-DE" sz="1200" dirty="0"/>
-              <a:t>- Die </a:t>
-            </a:r>
-            <a:r>
-              <a:rPr lang="de-DE" sz="1200" b="1" dirty="0"/>
-              <a:t>Verweildauer liegt stabil bei ca. 97 Sekunden</a:t>
-            </a:r>
-            <a:r>
-              <a:rPr lang="de-DE" sz="1200" dirty="0"/>
-              <a:t>, was ein gutes Engagement signalisiert.</a:t>
-            </a:r>
-          </a:p>
-          <a:p>
-            <a:r>
-              <a:rPr lang="de-DE" sz="1200" dirty="0"/>
-              <a:t>- Die </a:t>
-            </a:r>
-            <a:r>
-              <a:rPr lang="de-DE" sz="1200" b="1" dirty="0"/>
-              <a:t>Absprungrate bleibt unter 30 %</a:t>
-            </a:r>
-            <a:r>
-              <a:rPr lang="de-DE" sz="1200" dirty="0"/>
-              <a:t>, was für Landingpages ein sehr positiver Wert ist.</a:t>
+              <a:t>  Die Nutzer zeigen hohes Interesse beim „Durchklicken“ – das ist ein positives Zeichen für Relevanz und Usability der Einstiegselemente.</a:t>
             </a:r>
           </a:p>
           <a:p>
@@ -1594,26 +1749,35 @@
             </a:br>
             <a:r>
               <a:rPr lang="de-DE" sz="1200" dirty="0"/>
-              <a:t>Am Ende der Tabelle erscheinen Seiten mit </a:t>
+              <a:t>- </a:t>
             </a:r>
             <a:r>
               <a:rPr lang="de-DE" sz="1200" b="1" dirty="0"/>
-              <a:t>0 Aufrufen</a:t>
-            </a:r>
+              <a:t>Konversion messbar:</a:t>
+            </a:r>
+            <a:endParaRPr lang="de-DE" sz="1200" dirty="0"/>
+          </a:p>
+          <a:p>
             <a:r>
               <a:rPr lang="de-DE" sz="1200" dirty="0"/>
-              <a:t>, was meist durch technische Gründe oder irrelevante Inhalte erklärt werden kann.</a:t>
-            </a:r>
-          </a:p>
-          <a:p>
-            <a:endParaRPr lang="de-DE" sz="1200" dirty="0"/>
-          </a:p>
-          <a:p>
+              <a:t>  Der Rückgang von „</a:t>
+            </a:r>
+            <a:r>
+              <a:rPr lang="de-DE" sz="1200" dirty="0" err="1"/>
+              <a:t>Checked</a:t>
+            </a:r>
+            <a:r>
+              <a:rPr lang="de-DE" sz="1200" dirty="0"/>
+              <a:t>“ (12.828 Nutzer) zu „Email“ (2.961) oder „Phone“ (1.137) ist typisch – zeigt aber auch, dass viele den letzten Schritt </a:t>
+            </a:r>
             <a:r>
               <a:rPr lang="de-DE" sz="1200" b="1" dirty="0"/>
-              <a:t>Was lässt sich daraus ableiten?</a:t>
-            </a:r>
-            <a:endParaRPr lang="de-DE" sz="1200" dirty="0"/>
+              <a:t>nicht gehen</a:t>
+            </a:r>
+            <a:r>
+              <a:rPr lang="de-DE" sz="1200" dirty="0"/>
+              <a:t>. Gründe könnten Unsicherheit, fehlendes Vertrauen oder ein zu weiter Weg zur Kontaktaufnahme sein.</a:t>
+            </a:r>
           </a:p>
           <a:p>
             <a:br>
@@ -1625,102 +1789,43 @@
             </a:r>
             <a:r>
               <a:rPr lang="de-DE" sz="1200" b="1" dirty="0"/>
-              <a:t>Top-</a:t>
-            </a:r>
-            <a:r>
-              <a:rPr lang="de-DE" sz="1200" b="1" dirty="0" err="1"/>
-              <a:t>performing</a:t>
-            </a:r>
-            <a:r>
-              <a:rPr lang="de-DE" sz="1200" b="1" dirty="0"/>
-              <a:t> Inhalte identifizieren:</a:t>
+              <a:t>Optimierungspotenziale:</a:t>
             </a:r>
             <a:endParaRPr lang="de-DE" sz="1200" dirty="0"/>
           </a:p>
           <a:p>
             <a:r>
               <a:rPr lang="de-DE" sz="1200" dirty="0"/>
-              <a:t>  Die Seite „Ich brauche Redezeit“ ist sowohl bei organischer als auch direkter Quelle </a:t>
-            </a:r>
-            <a:r>
-              <a:rPr lang="de-DE" sz="1200" b="1" dirty="0"/>
-              <a:t>hochgradig relevant</a:t>
-            </a:r>
+              <a:t>  - CTA-Buttons prominenter platzieren oder besser beschriften („Jetzt anonym Kontakt aufnehmen“).</a:t>
+            </a:r>
+          </a:p>
+          <a:p>
             <a:r>
               <a:rPr lang="de-DE" sz="1200" dirty="0"/>
-              <a:t> – sie sollte zentrales Element in SEO, Werbung und Startseite sein.</a:t>
-            </a:r>
-          </a:p>
-          <a:p>
-            <a:br>
+              <a:t>  - Direkt nach „</a:t>
+            </a:r>
+            <a:r>
+              <a:rPr lang="de-DE" sz="1200" dirty="0" err="1"/>
+              <a:t>Checked</a:t>
+            </a:r>
+            <a:r>
               <a:rPr lang="de-DE" sz="1200" dirty="0"/>
-            </a:br>
+              <a:t>“-Aktionen gezielte Call-</a:t>
+            </a:r>
+            <a:r>
+              <a:rPr lang="de-DE" sz="1200" dirty="0" err="1"/>
+              <a:t>to</a:t>
+            </a:r>
             <a:r>
               <a:rPr lang="de-DE" sz="1200" dirty="0"/>
-              <a:t>- </a:t>
-            </a:r>
-            <a:r>
-              <a:rPr lang="de-DE" sz="1200" b="1" dirty="0"/>
-              <a:t>Quellenbewertung möglich:</a:t>
-            </a:r>
-            <a:endParaRPr lang="de-DE" sz="1200" dirty="0"/>
+              <a:t>-Action-Einblendungen testen.</a:t>
+            </a:r>
           </a:p>
           <a:p>
             <a:r>
               <a:rPr lang="de-DE" sz="1200" dirty="0"/>
-              <a:t>  Wenn bestimmte Seiten </a:t>
-            </a:r>
-            <a:r>
-              <a:rPr lang="de-DE" sz="1200" b="1" dirty="0"/>
-              <a:t>**nur über einzelne Quellen</a:t>
-            </a:r>
-            <a:r>
-              <a:rPr lang="de-DE" sz="1200" dirty="0"/>
-              <a:t> erfolgreich sind, kann man gezielt z. B. Google Ads verstärken oder Kooperationen mit verlinkenden Seiten ausbauen.</a:t>
-            </a:r>
-          </a:p>
-          <a:p>
-            <a:br>
-              <a:rPr lang="de-DE" sz="1200" dirty="0"/>
-            </a:br>
-            <a:r>
-              <a:rPr lang="de-DE" sz="1200" dirty="0"/>
-              <a:t>- </a:t>
-            </a:r>
-            <a:r>
-              <a:rPr lang="de-DE" sz="1200" b="1" dirty="0"/>
-              <a:t>Niedrige Absprungraten**</a:t>
-            </a:r>
-            <a:r>
-              <a:rPr lang="de-DE" sz="1200" dirty="0"/>
-              <a:t> deuten auf einen funktionierenden ersten Eindruck hin – diese Seiten sind gut optimiert.</a:t>
-            </a:r>
-          </a:p>
-          <a:p>
-            <a:br>
-              <a:rPr lang="de-DE" sz="1200" dirty="0"/>
-            </a:br>
-            <a:r>
-              <a:rPr lang="de-DE" sz="1200" dirty="0"/>
-              <a:t>- </a:t>
-            </a:r>
-            <a:r>
-              <a:rPr lang="de-DE" sz="1200" b="1" dirty="0"/>
-              <a:t>Handlungsbedarf bei Seiten mit 0 Aufrufen oder hoher Absprungrate:</a:t>
-            </a:r>
-            <a:r>
-              <a:rPr lang="de-DE" sz="1200" dirty="0"/>
-              <a:t>  </a:t>
-            </a:r>
-          </a:p>
-          <a:p>
-            <a:r>
-              <a:rPr lang="de-DE" sz="1200" dirty="0"/>
-              <a:t>  Diese Seiten sollten hinsichtlich Sichtbarkeit, Relevanz oder technischer Funktion geprüft werden.</a:t>
-            </a:r>
-          </a:p>
-          <a:p>
-            <a:endParaRPr lang="de-DE" sz="1200" dirty="0"/>
+              <a:t>  - Vertrauen aufbauen durch Testimonials oder klare Information zur Kontaktaufnahme (z. B. Datenschutz, Anonymität).</a:t>
+            </a:r>
           </a:p>
           <a:p>
             <a:endParaRPr lang="de-DE" dirty="0"/>
@@ -1744,7 +1849,7 @@
           <a:p>
             <a:fld id="{6D0EAAEC-3026-475C-AE13-EBFCAFEF86C8}" type="slidenum">
               <a:rPr lang="de-DE" smtClean="0"/>
-              <a:t>14</a:t>
+              <a:t>15</a:t>
             </a:fld>
             <a:endParaRPr lang="de-DE"/>
           </a:p>
@@ -1753,7 +1858,7 @@
     </p:spTree>
     <p:extLst>
       <p:ext uri="{BB962C8B-B14F-4D97-AF65-F5344CB8AC3E}">
-        <p14:creationId xmlns:p14="http://schemas.microsoft.com/office/powerpoint/2010/main" val="2444359810"/>
+        <p14:creationId xmlns:p14="http://schemas.microsoft.com/office/powerpoint/2010/main" val="184461416"/>
       </p:ext>
     </p:extLst>
   </p:cSld>
@@ -1808,125 +1913,202 @@
           <a:lstStyle/>
           <a:p>
             <a:r>
-              <a:rPr lang="de-DE" b="1" dirty="0"/>
-              <a:t>Interpretation der Ergebnisse:</a:t>
-            </a:r>
+              <a:rPr lang="de-DE" sz="1200" b="1" dirty="0"/>
+              <a:t>Interpretation der Ergebnisse</a:t>
+            </a:r>
+            <a:endParaRPr lang="de-DE" sz="1200" dirty="0"/>
+          </a:p>
+          <a:p>
             <a:br>
-              <a:rPr lang="de-DE" dirty="0"/>
+              <a:rPr lang="de-DE" sz="1200" dirty="0"/>
             </a:br>
-            <a:r>
-              <a:rPr lang="de-DE" dirty="0"/>
-              <a:t>Desktop und Mobile zeigen ähnliche Nutzerzahlen sowie eine vergleichbare Gesamtzahl an Events – bei moderatem durchschnittlichen Engagement von etwa 0,45 Events pro Nutzer.</a:t>
-            </a:r>
-          </a:p>
-          <a:p>
-            <a:r>
-              <a:rPr lang="de-DE" dirty="0"/>
-              <a:t>Tablets und Smart TVs fallen auf: Trotz deutlich geringerer Nutzerzahlen liegt das durchschnittliche Engagement hier bei über 11 bzw. 19 Events pro Nutzer – was auf besonders intensive Nutzung hinzudeuten scheint.</a:t>
-            </a:r>
-          </a:p>
-          <a:p>
-            <a:r>
-              <a:rPr lang="de-DE" b="1" dirty="0"/>
-              <a:t>Wichtiger Hinweis zur Datenlage:</a:t>
-            </a:r>
             <a:br>
-              <a:rPr lang="de-DE" dirty="0"/>
+              <a:rPr lang="de-DE" sz="1200" dirty="0"/>
             </a:br>
             <a:r>
-              <a:rPr lang="de-DE" dirty="0"/>
-              <a:t>Die Berechnung der Events pro Nutzer je Gerätetyp basiert auf aggregierten Tageswerten, </a:t>
-            </a:r>
-            <a:r>
-              <a:rPr lang="de-DE" b="1" dirty="0"/>
-              <a:t>ohne direkte Verknüpfung zwischen Gerät und Eventverhalten einzelner Nutzer</a:t>
-            </a:r>
-            <a:r>
-              <a:rPr lang="de-DE" dirty="0"/>
-              <a:t>. Es ist also </a:t>
-            </a:r>
-            <a:r>
-              <a:rPr lang="de-DE" b="1" dirty="0"/>
-              <a:t>nicht belegbar</a:t>
-            </a:r>
-            <a:r>
-              <a:rPr lang="de-DE" dirty="0"/>
-              <a:t>, ob Events tatsächlich über das jeweilige Gerät ausgelöst wurden. Die Werte sind daher als </a:t>
-            </a:r>
-            <a:r>
-              <a:rPr lang="de-DE" b="1" dirty="0"/>
-              <a:t>modellhafte Näherung</a:t>
-            </a:r>
-            <a:r>
-              <a:rPr lang="de-DE" dirty="0"/>
-              <a:t> zu verstehen – und nicht als exakte Messung.</a:t>
-            </a:r>
+              <a:rPr lang="de-DE" sz="1200" b="1" dirty="0"/>
+              <a:t>Auffällig:</a:t>
+            </a:r>
+            <a:endParaRPr lang="de-DE" sz="1200" dirty="0"/>
+          </a:p>
+          <a:p>
+            <a:r>
+              <a:rPr lang="de-DE" sz="1200" dirty="0"/>
+              <a:t>- Die Seite „Ich brauche Redezeit“ generiert </a:t>
+            </a:r>
+            <a:r>
+              <a:rPr lang="de-DE" sz="1200" b="1" dirty="0"/>
+              <a:t>extrem viele Aufrufe</a:t>
+            </a:r>
+            <a:r>
+              <a:rPr lang="de-DE" sz="1200" dirty="0"/>
+              <a:t> über mehrere Quellen – besonders Google und Direktzugriffe.</a:t>
+            </a:r>
+          </a:p>
+          <a:p>
+            <a:r>
+              <a:rPr lang="de-DE" sz="1200" dirty="0"/>
+              <a:t>- Die </a:t>
+            </a:r>
+            <a:r>
+              <a:rPr lang="de-DE" sz="1200" b="1" dirty="0"/>
+              <a:t>Verweildauer liegt stabil bei ca. 97 Sekunden</a:t>
+            </a:r>
+            <a:r>
+              <a:rPr lang="de-DE" sz="1200" dirty="0"/>
+              <a:t>, was ein gutes Engagement signalisiert.</a:t>
+            </a:r>
+          </a:p>
+          <a:p>
+            <a:r>
+              <a:rPr lang="de-DE" sz="1200" dirty="0"/>
+              <a:t>- Die </a:t>
+            </a:r>
+            <a:r>
+              <a:rPr lang="de-DE" sz="1200" b="1" dirty="0"/>
+              <a:t>Absprungrate bleibt unter 30 %</a:t>
+            </a:r>
+            <a:r>
+              <a:rPr lang="de-DE" sz="1200" dirty="0"/>
+              <a:t>, was für Landingpages ein sehr positiver Wert ist.</a:t>
+            </a:r>
+          </a:p>
+          <a:p>
+            <a:br>
+              <a:rPr lang="de-DE" sz="1200" dirty="0"/>
+            </a:br>
+            <a:r>
+              <a:rPr lang="de-DE" sz="1200" dirty="0"/>
+              <a:t>Am Ende der Tabelle erscheinen Seiten mit </a:t>
+            </a:r>
+            <a:r>
+              <a:rPr lang="de-DE" sz="1200" b="1" dirty="0"/>
+              <a:t>0 Aufrufen</a:t>
+            </a:r>
+            <a:r>
+              <a:rPr lang="de-DE" sz="1200" dirty="0"/>
+              <a:t>, was meist durch technische Gründe oder irrelevante Inhalte erklärt werden kann.</a:t>
+            </a:r>
+          </a:p>
+          <a:p>
+            <a:endParaRPr lang="de-DE" sz="1200" dirty="0"/>
+          </a:p>
+          <a:p>
+            <a:r>
+              <a:rPr lang="de-DE" sz="1200" b="1" dirty="0"/>
+              <a:t>Was lässt sich daraus ableiten?</a:t>
+            </a:r>
+            <a:endParaRPr lang="de-DE" sz="1200" dirty="0"/>
+          </a:p>
+          <a:p>
+            <a:br>
+              <a:rPr lang="de-DE" sz="1200" dirty="0"/>
+            </a:br>
+            <a:r>
+              <a:rPr lang="de-DE" sz="1200" dirty="0"/>
+              <a:t>- </a:t>
+            </a:r>
+            <a:r>
+              <a:rPr lang="de-DE" sz="1200" b="1" dirty="0"/>
+              <a:t>Top-</a:t>
+            </a:r>
+            <a:r>
+              <a:rPr lang="de-DE" sz="1200" b="1" dirty="0" err="1"/>
+              <a:t>performing</a:t>
+            </a:r>
+            <a:r>
+              <a:rPr lang="de-DE" sz="1200" b="1" dirty="0"/>
+              <a:t> Inhalte identifizieren:</a:t>
+            </a:r>
+            <a:endParaRPr lang="de-DE" sz="1200" dirty="0"/>
+          </a:p>
+          <a:p>
+            <a:r>
+              <a:rPr lang="de-DE" sz="1200" dirty="0"/>
+              <a:t>  Die Seite „Ich brauche Redezeit“ ist sowohl bei organischer als auch direkter Quelle </a:t>
+            </a:r>
+            <a:r>
+              <a:rPr lang="de-DE" sz="1200" b="1" dirty="0"/>
+              <a:t>hochgradig relevant</a:t>
+            </a:r>
+            <a:r>
+              <a:rPr lang="de-DE" sz="1200" dirty="0"/>
+              <a:t> – sie sollte zentrales Element in SEO, Werbung und Startseite sein.</a:t>
+            </a:r>
+          </a:p>
+          <a:p>
+            <a:br>
+              <a:rPr lang="de-DE" sz="1200" dirty="0"/>
+            </a:br>
+            <a:r>
+              <a:rPr lang="de-DE" sz="1200" dirty="0"/>
+              <a:t>- </a:t>
+            </a:r>
+            <a:r>
+              <a:rPr lang="de-DE" sz="1200" b="1" dirty="0"/>
+              <a:t>Quellenbewertung möglich:</a:t>
+            </a:r>
+            <a:endParaRPr lang="de-DE" sz="1200" dirty="0"/>
+          </a:p>
+          <a:p>
+            <a:r>
+              <a:rPr lang="de-DE" sz="1200" dirty="0"/>
+              <a:t>  Wenn bestimmte Seiten </a:t>
+            </a:r>
+            <a:r>
+              <a:rPr lang="de-DE" sz="1200" b="1" dirty="0"/>
+              <a:t>**nur über einzelne Quellen</a:t>
+            </a:r>
+            <a:r>
+              <a:rPr lang="de-DE" sz="1200" dirty="0"/>
+              <a:t> erfolgreich sind, kann man gezielt z. B. Google Ads verstärken oder Kooperationen mit verlinkenden Seiten ausbauen.</a:t>
+            </a:r>
+          </a:p>
+          <a:p>
+            <a:br>
+              <a:rPr lang="de-DE" sz="1200" dirty="0"/>
+            </a:br>
+            <a:r>
+              <a:rPr lang="de-DE" sz="1200" dirty="0"/>
+              <a:t>- </a:t>
+            </a:r>
+            <a:r>
+              <a:rPr lang="de-DE" sz="1200" b="1" dirty="0"/>
+              <a:t>Niedrige Absprungraten**</a:t>
+            </a:r>
+            <a:r>
+              <a:rPr lang="de-DE" sz="1200" dirty="0"/>
+              <a:t> deuten auf einen funktionierenden ersten Eindruck hin – diese Seiten sind gut optimiert.</a:t>
+            </a:r>
+          </a:p>
+          <a:p>
+            <a:br>
+              <a:rPr lang="de-DE" sz="1200" dirty="0"/>
+            </a:br>
+            <a:r>
+              <a:rPr lang="de-DE" sz="1200" dirty="0"/>
+              <a:t>- </a:t>
+            </a:r>
+            <a:r>
+              <a:rPr lang="de-DE" sz="1200" b="1" dirty="0"/>
+              <a:t>Handlungsbedarf bei Seiten mit 0 Aufrufen oder hoher Absprungrate:</a:t>
+            </a:r>
+            <a:r>
+              <a:rPr lang="de-DE" sz="1200" dirty="0"/>
+              <a:t>  </a:t>
+            </a:r>
+          </a:p>
+          <a:p>
+            <a:r>
+              <a:rPr lang="de-DE" sz="1200" dirty="0"/>
+              <a:t>  Diese Seiten sollten hinsichtlich Sichtbarkeit, Relevanz oder technischer Funktion geprüft werden.</a:t>
+            </a:r>
+          </a:p>
+          <a:p>
+            <a:endParaRPr lang="de-DE" sz="1200" dirty="0"/>
           </a:p>
           <a:p>
             <a:endParaRPr lang="de-DE" dirty="0"/>
-          </a:p>
-          <a:p>
-            <a:r>
-              <a:rPr lang="de-DE" b="1" dirty="0"/>
-              <a:t>Ableitungen:</a:t>
-            </a:r>
-            <a:br>
-              <a:rPr lang="de-DE" dirty="0"/>
-            </a:br>
-            <a:r>
-              <a:rPr lang="de-DE" dirty="0"/>
-              <a:t>Das Nutzerverhalten scheint stark vom Gerätetyp abzuhängen:</a:t>
-            </a:r>
-            <a:br>
-              <a:rPr lang="de-DE" dirty="0"/>
-            </a:br>
-            <a:r>
-              <a:rPr lang="de-DE" dirty="0"/>
-              <a:t>Viele Nutzer auf Desktop und Mobile – aber eher moderate Interaktionen.</a:t>
-            </a:r>
-            <a:br>
-              <a:rPr lang="de-DE" dirty="0"/>
-            </a:br>
-            <a:r>
-              <a:rPr lang="de-DE" dirty="0"/>
-              <a:t>Geringe, aber dafür besonders aktive Nutzung auf Tablets und Smart TVs.</a:t>
-            </a:r>
-          </a:p>
-          <a:p>
-            <a:r>
-              <a:rPr lang="de-DE" b="1" dirty="0"/>
-              <a:t>Vorsicht bei kleinen Fallzahlen:</a:t>
-            </a:r>
-            <a:br>
-              <a:rPr lang="de-DE" dirty="0"/>
-            </a:br>
-            <a:r>
-              <a:rPr lang="de-DE" dirty="0"/>
-              <a:t>Besonders bei Smart TVs (nur 7 Nutzer) kann schon ein einzelner Vielnutzer die Engagement-Rate stark verzerren.</a:t>
-            </a:r>
-          </a:p>
-          <a:p>
-            <a:endParaRPr lang="de-DE" dirty="0"/>
-          </a:p>
-          <a:p>
-            <a:r>
-              <a:rPr lang="de-DE" b="1" dirty="0"/>
-              <a:t>Handlungsempfehlung:</a:t>
-            </a:r>
-            <a:br>
-              <a:rPr lang="de-DE" dirty="0"/>
-            </a:br>
-            <a:r>
-              <a:rPr lang="de-DE" dirty="0"/>
-              <a:t>Eine genauere technische Analyse sollte klären, ob das hohe Engagement auf Tablets und Smart TVs auf bestimmte Inhalte, Interfaces oder Nutzungskontexte zurückzuführen ist.</a:t>
-            </a:r>
-            <a:br>
-              <a:rPr lang="de-DE" dirty="0"/>
-            </a:br>
-            <a:r>
-              <a:rPr lang="de-DE" dirty="0"/>
-              <a:t>Zudem lohnt sich die Frage, ob Desktop- und Mobile-Angebote gezielt optimiert werden können, um das Engagement zu steigern.</a:t>
-            </a:r>
           </a:p>
         </p:txBody>
       </p:sp>
@@ -1947,7 +2129,7 @@
           <a:p>
             <a:fld id="{6D0EAAEC-3026-475C-AE13-EBFCAFEF86C8}" type="slidenum">
               <a:rPr lang="de-DE" smtClean="0"/>
-              <a:t>15</a:t>
+              <a:t>16</a:t>
             </a:fld>
             <a:endParaRPr lang="de-DE"/>
           </a:p>
@@ -1956,7 +2138,7 @@
     </p:spTree>
     <p:extLst>
       <p:ext uri="{BB962C8B-B14F-4D97-AF65-F5344CB8AC3E}">
-        <p14:creationId xmlns:p14="http://schemas.microsoft.com/office/powerpoint/2010/main" val="3093709546"/>
+        <p14:creationId xmlns:p14="http://schemas.microsoft.com/office/powerpoint/2010/main" val="2444359810"/>
       </p:ext>
     </p:extLst>
   </p:cSld>
@@ -2012,82 +2194,123 @@
           <a:p>
             <a:r>
               <a:rPr lang="de-DE" b="1" dirty="0"/>
-              <a:t>Einschränkungen durch die Datenlage</a:t>
-            </a:r>
-          </a:p>
-          <a:p>
-            <a:r>
-              <a:rPr lang="de-DE" b="1" i="1" u="sng" dirty="0"/>
-              <a:t>Die Analysen basieren auf aggregierten Tagesdaten, nicht auf Nutzerebene!!!</a:t>
-            </a:r>
-          </a:p>
-          <a:p>
-            <a:endParaRPr lang="de-DE" b="1" i="1" u="sng" dirty="0"/>
-          </a:p>
-          <a:p>
-            <a:r>
+              <a:t>Interpretation der Ergebnisse:</a:t>
+            </a:r>
+            <a:br>
               <a:rPr lang="de-DE" dirty="0"/>
-              <a:t>Nutzer können mehreren Geräten zugeordnet sein, was eine exakte Zuordnung verhindert.</a:t>
-            </a:r>
-          </a:p>
-          <a:p>
+            </a:br>
             <a:r>
               <a:rPr lang="de-DE" dirty="0"/>
-              <a:t>Gewichtungen nach Geräten und Geschlecht erfolgen über Annahmen und Proportionen, nicht über echte Nutzerprofile.</a:t>
+              <a:t>Desktop und Mobile zeigen ähnliche Nutzerzahlen sowie eine vergleichbare Gesamtzahl an Events – bei moderatem durchschnittlichen Engagement von etwa 0,45 Events pro Nutzer.</a:t>
             </a:r>
           </a:p>
           <a:p>
             <a:r>
               <a:rPr lang="de-DE" dirty="0"/>
-              <a:t>Kleine Nutzergruppen, insbesondere bei bestimmten Geräten oder Geschlechtern, können zu verzerrten oder überinterpretierten Ergebnissen führen.</a:t>
-            </a:r>
-          </a:p>
-          <a:p>
-            <a:endParaRPr lang="de-DE" b="1" dirty="0"/>
-          </a:p>
-          <a:p>
-            <a:endParaRPr lang="de-DE" b="1" dirty="0"/>
+              <a:t>Tablets und Smart TVs fallen auf: Trotz deutlich geringerer Nutzerzahlen liegt das durchschnittliche Engagement hier bei über 11 bzw. 19 Events pro Nutzer – was auf besonders intensive Nutzung hinzudeuten scheint.</a:t>
+            </a:r>
           </a:p>
           <a:p>
             <a:r>
               <a:rPr lang="de-DE" b="1" dirty="0"/>
-              <a:t>Fazit und Ausblick</a:t>
-            </a:r>
-          </a:p>
-          <a:p>
-            <a:r>
+              <a:t>Wichtiger Hinweis zur Datenlage:</a:t>
+            </a:r>
+            <a:br>
               <a:rPr lang="de-DE" dirty="0"/>
-              <a:t>Der Apriori-Algorithmus ist ein mächtiges Werkzeug, um </a:t>
+            </a:br>
+            <a:r>
+              <a:rPr lang="de-DE" dirty="0"/>
+              <a:t>Die Berechnung der Events pro Nutzer je Gerätetyp basiert auf aggregierten Tageswerten, </a:t>
             </a:r>
             <a:r>
               <a:rPr lang="de-DE" b="1" dirty="0"/>
-              <a:t>Verhaltensmuster und Zusammenhänge</a:t>
+              <a:t>ohne direkte Verknüpfung zwischen Gerät und Eventverhalten einzelner Nutzer</a:t>
             </a:r>
             <a:r>
               <a:rPr lang="de-DE" dirty="0"/>
-              <a:t> aufzudecken. Allerdings sind die Resultate hier eher </a:t>
+              <a:t>. Es ist also </a:t>
             </a:r>
             <a:r>
               <a:rPr lang="de-DE" b="1" dirty="0"/>
-              <a:t>hypothesenbildend als endgültig</a:t>
+              <a:t>nicht belegbar</a:t>
             </a:r>
             <a:r>
               <a:rPr lang="de-DE" dirty="0"/>
-              <a:t>, da die Daten keine direkte Nutzer-zu-Gerät-Zuordnung zulassen.</a:t>
-            </a:r>
-          </a:p>
-          <a:p>
+              <a:t>, ob Events tatsächlich über das jeweilige Gerät ausgelöst wurden. Die Werte sind daher als </a:t>
+            </a:r>
+            <a:r>
+              <a:rPr lang="de-DE" b="1" dirty="0"/>
+              <a:t>modellhafte Näherung</a:t>
+            </a:r>
             <a:r>
               <a:rPr lang="de-DE" dirty="0"/>
-              <a:t>Für belastbare Erkenntnisse empfiehlt sich eine </a:t>
-            </a:r>
+              <a:t> zu verstehen – und nicht als exakte Messung.</a:t>
+            </a:r>
+          </a:p>
+          <a:p>
+            <a:endParaRPr lang="de-DE" dirty="0"/>
+          </a:p>
+          <a:p>
             <a:r>
               <a:rPr lang="de-DE" b="1" dirty="0"/>
-              <a:t>Datenerfassung auf Nutzerbasis</a:t>
-            </a:r>
-            <a:r>
+              <a:t>Ableitungen:</a:t>
+            </a:r>
+            <a:br>
               <a:rPr lang="de-DE" dirty="0"/>
-              <a:t>, um valide Assoziationen zwischen Aktionen und Nutzermerkmalen zu ermöglichen.</a:t>
+            </a:br>
+            <a:r>
+              <a:rPr lang="de-DE" dirty="0"/>
+              <a:t>Das Nutzerverhalten scheint stark vom Gerätetyp abzuhängen:</a:t>
+            </a:r>
+            <a:br>
+              <a:rPr lang="de-DE" dirty="0"/>
+            </a:br>
+            <a:r>
+              <a:rPr lang="de-DE" dirty="0"/>
+              <a:t>Viele Nutzer auf Desktop und Mobile – aber eher moderate Interaktionen.</a:t>
+            </a:r>
+            <a:br>
+              <a:rPr lang="de-DE" dirty="0"/>
+            </a:br>
+            <a:r>
+              <a:rPr lang="de-DE" dirty="0"/>
+              <a:t>Geringe, aber dafür besonders aktive Nutzung auf Tablets und Smart TVs.</a:t>
+            </a:r>
+          </a:p>
+          <a:p>
+            <a:r>
+              <a:rPr lang="de-DE" b="1" dirty="0"/>
+              <a:t>Vorsicht bei kleinen Fallzahlen:</a:t>
+            </a:r>
+            <a:br>
+              <a:rPr lang="de-DE" dirty="0"/>
+            </a:br>
+            <a:r>
+              <a:rPr lang="de-DE" dirty="0"/>
+              <a:t>Besonders bei Smart TVs (nur 7 Nutzer) kann schon ein einzelner Vielnutzer die Engagement-Rate stark verzerren.</a:t>
+            </a:r>
+          </a:p>
+          <a:p>
+            <a:endParaRPr lang="de-DE" dirty="0"/>
+          </a:p>
+          <a:p>
+            <a:r>
+              <a:rPr lang="de-DE" b="1" dirty="0"/>
+              <a:t>Handlungsempfehlung:</a:t>
+            </a:r>
+            <a:br>
+              <a:rPr lang="de-DE" dirty="0"/>
+            </a:br>
+            <a:r>
+              <a:rPr lang="de-DE" dirty="0"/>
+              <a:t>Eine genauere technische Analyse sollte klären, ob das hohe Engagement auf Tablets und Smart TVs auf bestimmte Inhalte, Interfaces oder Nutzungskontexte zurückzuführen ist.</a:t>
+            </a:r>
+            <a:br>
+              <a:rPr lang="de-DE" dirty="0"/>
+            </a:br>
+            <a:r>
+              <a:rPr lang="de-DE" dirty="0"/>
+              <a:t>Zudem lohnt sich die Frage, ob Desktop- und Mobile-Angebote gezielt optimiert werden können, um das Engagement zu steigern.</a:t>
             </a:r>
           </a:p>
         </p:txBody>
@@ -2109,7 +2332,169 @@
           <a:p>
             <a:fld id="{6D0EAAEC-3026-475C-AE13-EBFCAFEF86C8}" type="slidenum">
               <a:rPr lang="de-DE" smtClean="0"/>
-              <a:t>16</a:t>
+              <a:t>17</a:t>
+            </a:fld>
+            <a:endParaRPr lang="de-DE"/>
+          </a:p>
+        </p:txBody>
+      </p:sp>
+    </p:spTree>
+    <p:extLst>
+      <p:ext uri="{BB962C8B-B14F-4D97-AF65-F5344CB8AC3E}">
+        <p14:creationId xmlns:p14="http://schemas.microsoft.com/office/powerpoint/2010/main" val="3093709546"/>
+      </p:ext>
+    </p:extLst>
+  </p:cSld>
+  <p:clrMapOvr>
+    <a:masterClrMapping/>
+  </p:clrMapOvr>
+</p:notes>
+</file>
+
+<file path=ppt/notesSlides/notesSlide16.xml><?xml version="1.0" encoding="utf-8"?>
+<p:notes xmlns:a="http://schemas.openxmlformats.org/drawingml/2006/main" xmlns:r="http://schemas.openxmlformats.org/officeDocument/2006/relationships" xmlns:p="http://schemas.openxmlformats.org/presentationml/2006/main">
+  <p:cSld>
+    <p:spTree>
+      <p:nvGrpSpPr>
+        <p:cNvPr id="1" name=""/>
+        <p:cNvGrpSpPr/>
+        <p:nvPr/>
+      </p:nvGrpSpPr>
+      <p:grpSpPr>
+        <a:xfrm>
+          <a:off x="0" y="0"/>
+          <a:ext cx="0" cy="0"/>
+          <a:chOff x="0" y="0"/>
+          <a:chExt cx="0" cy="0"/>
+        </a:xfrm>
+      </p:grpSpPr>
+      <p:sp>
+        <p:nvSpPr>
+          <p:cNvPr id="2" name="Folienbildplatzhalter 1"/>
+          <p:cNvSpPr>
+            <a:spLocks noGrp="1" noRot="1" noChangeAspect="1"/>
+          </p:cNvSpPr>
+          <p:nvPr>
+            <p:ph type="sldImg"/>
+          </p:nvPr>
+        </p:nvSpPr>
+        <p:spPr/>
+      </p:sp>
+      <p:sp>
+        <p:nvSpPr>
+          <p:cNvPr id="3" name="Notizenplatzhalter 2"/>
+          <p:cNvSpPr>
+            <a:spLocks noGrp="1"/>
+          </p:cNvSpPr>
+          <p:nvPr>
+            <p:ph type="body" idx="1"/>
+          </p:nvPr>
+        </p:nvSpPr>
+        <p:spPr/>
+        <p:txBody>
+          <a:bodyPr/>
+          <a:lstStyle/>
+          <a:p>
+            <a:r>
+              <a:rPr lang="de-DE" b="1" dirty="0"/>
+              <a:t>Einschränkungen durch die Datenlage</a:t>
+            </a:r>
+          </a:p>
+          <a:p>
+            <a:r>
+              <a:rPr lang="de-DE" b="1" i="1" u="sng" dirty="0"/>
+              <a:t>Die Analysen basieren auf aggregierten Tagesdaten, nicht auf Nutzerebene!!!</a:t>
+            </a:r>
+          </a:p>
+          <a:p>
+            <a:endParaRPr lang="de-DE" b="1" i="1" u="sng" dirty="0"/>
+          </a:p>
+          <a:p>
+            <a:r>
+              <a:rPr lang="de-DE" dirty="0"/>
+              <a:t>Nutzer können mehreren Geräten zugeordnet sein, was eine exakte Zuordnung verhindert.</a:t>
+            </a:r>
+          </a:p>
+          <a:p>
+            <a:r>
+              <a:rPr lang="de-DE" dirty="0"/>
+              <a:t>Gewichtungen nach Geräten und Geschlecht erfolgen über Annahmen und Proportionen, nicht über echte Nutzerprofile.</a:t>
+            </a:r>
+          </a:p>
+          <a:p>
+            <a:r>
+              <a:rPr lang="de-DE" dirty="0"/>
+              <a:t>Kleine Nutzergruppen, insbesondere bei bestimmten Geräten oder Geschlechtern, können zu verzerrten oder überinterpretierten Ergebnissen führen.</a:t>
+            </a:r>
+          </a:p>
+          <a:p>
+            <a:endParaRPr lang="de-DE" b="1" dirty="0"/>
+          </a:p>
+          <a:p>
+            <a:endParaRPr lang="de-DE" b="1" dirty="0"/>
+          </a:p>
+          <a:p>
+            <a:r>
+              <a:rPr lang="de-DE" b="1" dirty="0"/>
+              <a:t>Fazit und Ausblick</a:t>
+            </a:r>
+          </a:p>
+          <a:p>
+            <a:r>
+              <a:rPr lang="de-DE" dirty="0"/>
+              <a:t>Der Apriori-Algorithmus ist ein mächtiges Werkzeug, um </a:t>
+            </a:r>
+            <a:r>
+              <a:rPr lang="de-DE" b="1" dirty="0"/>
+              <a:t>Verhaltensmuster und Zusammenhänge</a:t>
+            </a:r>
+            <a:r>
+              <a:rPr lang="de-DE" dirty="0"/>
+              <a:t> aufzudecken. Allerdings sind die Resultate hier eher </a:t>
+            </a:r>
+            <a:r>
+              <a:rPr lang="de-DE" b="1" dirty="0"/>
+              <a:t>hypothesenbildend als endgültig</a:t>
+            </a:r>
+            <a:r>
+              <a:rPr lang="de-DE" dirty="0"/>
+              <a:t>, da die Daten keine direkte Nutzer-zu-Gerät-Zuordnung zulassen.</a:t>
+            </a:r>
+          </a:p>
+          <a:p>
+            <a:r>
+              <a:rPr lang="de-DE" dirty="0"/>
+              <a:t>Für belastbare Erkenntnisse empfiehlt sich eine </a:t>
+            </a:r>
+            <a:r>
+              <a:rPr lang="de-DE" b="1" dirty="0"/>
+              <a:t>Datenerfassung auf Nutzerbasis</a:t>
+            </a:r>
+            <a:r>
+              <a:rPr lang="de-DE" dirty="0"/>
+              <a:t>, um valide Assoziationen zwischen Aktionen und Nutzermerkmalen zu ermöglichen.</a:t>
+            </a:r>
+          </a:p>
+        </p:txBody>
+      </p:sp>
+      <p:sp>
+        <p:nvSpPr>
+          <p:cNvPr id="4" name="Foliennummernplatzhalter 3"/>
+          <p:cNvSpPr>
+            <a:spLocks noGrp="1"/>
+          </p:cNvSpPr>
+          <p:nvPr>
+            <p:ph type="sldNum" sz="quarter" idx="5"/>
+          </p:nvPr>
+        </p:nvSpPr>
+        <p:spPr/>
+        <p:txBody>
+          <a:bodyPr/>
+          <a:lstStyle/>
+          <a:p>
+            <a:fld id="{6D0EAAEC-3026-475C-AE13-EBFCAFEF86C8}" type="slidenum">
+              <a:rPr lang="de-DE" smtClean="0"/>
+              <a:t>18</a:t>
             </a:fld>
             <a:endParaRPr lang="de-DE"/>
           </a:p>
@@ -4340,6 +4725,18 @@
         <p:txBody>
           <a:bodyPr/>
           <a:lstStyle/>
+          <a:p>
+            <a:r>
+              <a:rPr lang="de-DE" dirty="0"/>
+              <a:t>„Welche Nutzungsmuster zeigt die Website an verschiedenen Tagen?“</a:t>
+            </a:r>
+          </a:p>
+          <a:p>
+            <a:endParaRPr lang="de-DE" sz="1200" b="1" dirty="0"/>
+          </a:p>
+          <a:p>
+            <a:endParaRPr lang="de-DE" sz="1200" b="1" dirty="0"/>
+          </a:p>
           <a:p>
             <a:r>
               <a:rPr lang="de-DE" sz="1200" b="1" dirty="0"/>
@@ -8207,6 +8604,1018 @@
           <a:chExt cx="0" cy="0"/>
         </a:xfrm>
       </p:grpSpPr>
+      <p:pic>
+        <p:nvPicPr>
+          <p:cNvPr id="3" name="Grafik 2">
+            <a:extLst>
+              <a:ext uri="{FF2B5EF4-FFF2-40B4-BE49-F238E27FC236}">
+                <a16:creationId xmlns:a16="http://schemas.microsoft.com/office/drawing/2014/main" id="{E82A6109-A0E9-8B66-9841-92219F8F5273}"/>
+              </a:ext>
+            </a:extLst>
+          </p:cNvPr>
+          <p:cNvPicPr>
+            <a:picLocks noChangeAspect="1"/>
+          </p:cNvPicPr>
+          <p:nvPr/>
+        </p:nvPicPr>
+        <p:blipFill>
+          <a:blip r:embed="rId2"/>
+          <a:stretch>
+            <a:fillRect/>
+          </a:stretch>
+        </p:blipFill>
+        <p:spPr>
+          <a:xfrm>
+            <a:off x="6281904" y="0"/>
+            <a:ext cx="5910095" cy="4173415"/>
+          </a:xfrm>
+          <a:prstGeom prst="rect">
+            <a:avLst/>
+          </a:prstGeom>
+        </p:spPr>
+      </p:pic>
+      <p:pic>
+        <p:nvPicPr>
+          <p:cNvPr id="5" name="Grafik 4">
+            <a:extLst>
+              <a:ext uri="{FF2B5EF4-FFF2-40B4-BE49-F238E27FC236}">
+                <a16:creationId xmlns:a16="http://schemas.microsoft.com/office/drawing/2014/main" id="{419DED78-641E-56CC-92F8-34DDCC60717E}"/>
+              </a:ext>
+            </a:extLst>
+          </p:cNvPr>
+          <p:cNvPicPr>
+            <a:picLocks noChangeAspect="1"/>
+          </p:cNvPicPr>
+          <p:nvPr/>
+        </p:nvPicPr>
+        <p:blipFill>
+          <a:blip r:embed="rId3"/>
+          <a:stretch>
+            <a:fillRect/>
+          </a:stretch>
+        </p:blipFill>
+        <p:spPr>
+          <a:xfrm>
+            <a:off x="0" y="0"/>
+            <a:ext cx="5620921" cy="4173415"/>
+          </a:xfrm>
+          <a:prstGeom prst="rect">
+            <a:avLst/>
+          </a:prstGeom>
+        </p:spPr>
+      </p:pic>
+      <p:sp>
+        <p:nvSpPr>
+          <p:cNvPr id="7" name="Textfeld 6">
+            <a:extLst>
+              <a:ext uri="{FF2B5EF4-FFF2-40B4-BE49-F238E27FC236}">
+                <a16:creationId xmlns:a16="http://schemas.microsoft.com/office/drawing/2014/main" id="{8A8126C7-92C0-633D-C06F-61CC5B8FC0B7}"/>
+              </a:ext>
+            </a:extLst>
+          </p:cNvPr>
+          <p:cNvSpPr txBox="1"/>
+          <p:nvPr/>
+        </p:nvSpPr>
+        <p:spPr>
+          <a:xfrm>
+            <a:off x="0" y="4027687"/>
+            <a:ext cx="12090398" cy="2677656"/>
+          </a:xfrm>
+          <a:prstGeom prst="rect">
+            <a:avLst/>
+          </a:prstGeom>
+          <a:noFill/>
+        </p:spPr>
+        <p:txBody>
+          <a:bodyPr wrap="square">
+            <a:spAutoFit/>
+          </a:bodyPr>
+          <a:lstStyle/>
+          <a:p>
+            <a:pPr algn="l">
+              <a:buFont typeface="Arial" panose="020B0604020202020204" pitchFamily="34" charset="0"/>
+              <a:buChar char="•"/>
+            </a:pPr>
+            <a:r>
+              <a:rPr lang="de-DE" sz="1400" b="1" i="0" dirty="0">
+                <a:solidFill>
+                  <a:schemeClr val="bg2">
+                    <a:lumMod val="25000"/>
+                  </a:schemeClr>
+                </a:solidFill>
+                <a:effectLst/>
+              </a:rPr>
+              <a:t>„Desktop Nutzer, hohe Aktivität“</a:t>
+            </a:r>
+            <a:r>
+              <a:rPr lang="de-DE" sz="1400" b="0" i="0" dirty="0">
+                <a:solidFill>
+                  <a:schemeClr val="bg2">
+                    <a:lumMod val="25000"/>
+                  </a:schemeClr>
+                </a:solidFill>
+                <a:effectLst/>
+              </a:rPr>
+              <a:t>: viele Seitenaufrufe (284,5), hohe Desktop-Nutzung (162,9), lange Verweildauer (130 Sek.)</a:t>
+            </a:r>
+          </a:p>
+          <a:p>
+            <a:pPr algn="l">
+              <a:buFont typeface="Arial" panose="020B0604020202020204" pitchFamily="34" charset="0"/>
+              <a:buChar char="•"/>
+            </a:pPr>
+            <a:r>
+              <a:rPr lang="de-DE" sz="1400" b="1" i="0" dirty="0">
+                <a:solidFill>
+                  <a:schemeClr val="bg2">
+                    <a:lumMod val="25000"/>
+                  </a:schemeClr>
+                </a:solidFill>
+                <a:effectLst/>
+              </a:rPr>
+              <a:t>„Mobile Nutzer, hohe Verweildauer“</a:t>
+            </a:r>
+            <a:r>
+              <a:rPr lang="de-DE" sz="1400" b="0" i="0" dirty="0">
+                <a:solidFill>
+                  <a:schemeClr val="bg2">
+                    <a:lumMod val="25000"/>
+                  </a:schemeClr>
+                </a:solidFill>
+                <a:effectLst/>
+              </a:rPr>
+              <a:t>: Seitenaufrufe (90,6), überwiegend mobile Geräte (48,6), Verweildauer 98 Sek.</a:t>
+            </a:r>
+          </a:p>
+          <a:p>
+            <a:pPr algn="l">
+              <a:buFont typeface="Arial" panose="020B0604020202020204" pitchFamily="34" charset="0"/>
+              <a:buChar char="•"/>
+            </a:pPr>
+            <a:r>
+              <a:rPr lang="de-DE" sz="1400" b="1" i="0" dirty="0">
+                <a:solidFill>
+                  <a:schemeClr val="bg2">
+                    <a:lumMod val="25000"/>
+                  </a:schemeClr>
+                </a:solidFill>
+                <a:effectLst/>
+              </a:rPr>
+              <a:t>„Geringe Nutzerzahl &amp; Traffic“</a:t>
+            </a:r>
+            <a:r>
+              <a:rPr lang="de-DE" sz="1400" b="0" i="0" dirty="0">
+                <a:solidFill>
+                  <a:schemeClr val="bg2">
+                    <a:lumMod val="25000"/>
+                  </a:schemeClr>
+                </a:solidFill>
+                <a:effectLst/>
+              </a:rPr>
+              <a:t>: Nutzerzahl (26,4), Sitzungen über Google/</a:t>
+            </a:r>
+            <a:r>
+              <a:rPr lang="de-DE" sz="1400" b="0" i="0" dirty="0" err="1">
+                <a:solidFill>
+                  <a:schemeClr val="bg2">
+                    <a:lumMod val="25000"/>
+                  </a:schemeClr>
+                </a:solidFill>
+                <a:effectLst/>
+              </a:rPr>
+              <a:t>Direct</a:t>
+            </a:r>
+            <a:r>
+              <a:rPr lang="de-DE" sz="1400" b="0" i="0" dirty="0">
+                <a:solidFill>
+                  <a:schemeClr val="bg2">
+                    <a:lumMod val="25000"/>
+                  </a:schemeClr>
+                </a:solidFill>
+                <a:effectLst/>
+              </a:rPr>
+              <a:t> (~12/~10)</a:t>
+            </a:r>
+          </a:p>
+          <a:p>
+            <a:pPr algn="l">
+              <a:buFont typeface="Arial" panose="020B0604020202020204" pitchFamily="34" charset="0"/>
+              <a:buChar char="•"/>
+            </a:pPr>
+            <a:r>
+              <a:rPr lang="de-DE" sz="1400" b="1" i="0" dirty="0">
+                <a:solidFill>
+                  <a:schemeClr val="bg2">
+                    <a:lumMod val="25000"/>
+                  </a:schemeClr>
+                </a:solidFill>
+                <a:effectLst/>
+              </a:rPr>
+              <a:t>„Hoher Traffic &amp; Engagement“</a:t>
+            </a:r>
+            <a:r>
+              <a:rPr lang="de-DE" sz="1400" b="0" i="0" dirty="0">
+                <a:solidFill>
+                  <a:schemeClr val="bg2">
+                    <a:lumMod val="25000"/>
+                  </a:schemeClr>
+                </a:solidFill>
+                <a:effectLst/>
+              </a:rPr>
+              <a:t>: Nutzer (76,1), Google-Traffic (55,8), Events (55,6)</a:t>
+            </a:r>
+          </a:p>
+          <a:p>
+            <a:pPr algn="l">
+              <a:buFont typeface="Arial" panose="020B0604020202020204" pitchFamily="34" charset="0"/>
+              <a:buChar char="•"/>
+            </a:pPr>
+            <a:r>
+              <a:rPr lang="de-DE" sz="1400" b="1" i="0" dirty="0">
+                <a:solidFill>
+                  <a:schemeClr val="bg2">
+                    <a:lumMod val="25000"/>
+                  </a:schemeClr>
+                </a:solidFill>
+                <a:effectLst/>
+              </a:rPr>
+              <a:t>„Kurze bis mittlere Verweildauer“</a:t>
+            </a:r>
+            <a:r>
+              <a:rPr lang="de-DE" sz="1400" b="0" i="0" dirty="0">
+                <a:solidFill>
+                  <a:schemeClr val="bg2">
+                    <a:lumMod val="25000"/>
+                  </a:schemeClr>
+                </a:solidFill>
+                <a:effectLst/>
+              </a:rPr>
+              <a:t>: Verweildauer (109 Sek.), Nutzer (28,6), Seiten/Sitzung (5,5)</a:t>
+            </a:r>
+          </a:p>
+          <a:p>
+            <a:pPr algn="l">
+              <a:buFont typeface="Arial" panose="020B0604020202020204" pitchFamily="34" charset="0"/>
+              <a:buChar char="•"/>
+            </a:pPr>
+            <a:r>
+              <a:rPr lang="de-DE" sz="1400" b="1" i="0" dirty="0">
+                <a:solidFill>
+                  <a:schemeClr val="bg2">
+                    <a:lumMod val="25000"/>
+                  </a:schemeClr>
+                </a:solidFill>
+                <a:effectLst/>
+              </a:rPr>
+              <a:t>„Hohe Nutzerzahl mit schnellen Aktionen“</a:t>
+            </a:r>
+            <a:r>
+              <a:rPr lang="de-DE" sz="1400" b="0" i="0" dirty="0">
+                <a:solidFill>
+                  <a:schemeClr val="bg2">
+                    <a:lumMod val="25000"/>
+                  </a:schemeClr>
+                </a:solidFill>
+                <a:effectLst/>
+              </a:rPr>
+              <a:t>: Nutzer (78,1), Verweildauer (95 Sek.), Events (59,4)</a:t>
+            </a:r>
+          </a:p>
+          <a:p>
+            <a:pPr algn="l">
+              <a:buFont typeface="Arial" panose="020B0604020202020204" pitchFamily="34" charset="0"/>
+              <a:buChar char="•"/>
+            </a:pPr>
+            <a:r>
+              <a:rPr lang="de-DE" sz="1400" b="1" i="0" dirty="0">
+                <a:solidFill>
+                  <a:schemeClr val="bg2">
+                    <a:lumMod val="25000"/>
+                  </a:schemeClr>
+                </a:solidFill>
+                <a:effectLst/>
+              </a:rPr>
+              <a:t>„Intensive Nutzung“</a:t>
+            </a:r>
+            <a:r>
+              <a:rPr lang="de-DE" sz="1400" b="0" i="0" dirty="0">
+                <a:solidFill>
+                  <a:schemeClr val="bg2">
+                    <a:lumMod val="25000"/>
+                  </a:schemeClr>
+                </a:solidFill>
+                <a:effectLst/>
+              </a:rPr>
+              <a:t>: sehr lange Verweildauer (471 Sek.), wenige Nutzer (2,2)</a:t>
+            </a:r>
+          </a:p>
+          <a:p>
+            <a:pPr algn="l">
+              <a:buFont typeface="Arial" panose="020B0604020202020204" pitchFamily="34" charset="0"/>
+              <a:buChar char="•"/>
+            </a:pPr>
+            <a:r>
+              <a:rPr lang="de-DE" sz="1400" b="1" i="0" dirty="0">
+                <a:solidFill>
+                  <a:schemeClr val="bg2">
+                    <a:lumMod val="25000"/>
+                  </a:schemeClr>
+                </a:solidFill>
+                <a:effectLst/>
+              </a:rPr>
+              <a:t>„Dominant Desktop Traffic“</a:t>
+            </a:r>
+            <a:r>
+              <a:rPr lang="de-DE" sz="1400" b="0" i="0" dirty="0">
+                <a:solidFill>
+                  <a:schemeClr val="bg2">
+                    <a:lumMod val="25000"/>
+                  </a:schemeClr>
+                </a:solidFill>
+                <a:effectLst/>
+              </a:rPr>
+              <a:t>: Desktop-Anteil (388,4)</a:t>
+            </a:r>
+          </a:p>
+          <a:p>
+            <a:pPr algn="l">
+              <a:buFont typeface="Arial" panose="020B0604020202020204" pitchFamily="34" charset="0"/>
+              <a:buChar char="•"/>
+            </a:pPr>
+            <a:r>
+              <a:rPr lang="de-DE" sz="1400" b="1" i="0" dirty="0">
+                <a:solidFill>
+                  <a:schemeClr val="bg2">
+                    <a:lumMod val="25000"/>
+                  </a:schemeClr>
+                </a:solidFill>
+                <a:effectLst/>
+              </a:rPr>
+              <a:t>„Ausgewogener Mobile/Desktop Traffic“</a:t>
+            </a:r>
+            <a:r>
+              <a:rPr lang="de-DE" sz="1400" b="0" i="0" dirty="0">
+                <a:solidFill>
+                  <a:schemeClr val="bg2">
+                    <a:lumMod val="25000"/>
+                  </a:schemeClr>
+                </a:solidFill>
+                <a:effectLst/>
+              </a:rPr>
+              <a:t>: Mobile (46,7), Desktop (43,8)</a:t>
+            </a:r>
+          </a:p>
+          <a:p>
+            <a:pPr algn="l">
+              <a:buFont typeface="Arial" panose="020B0604020202020204" pitchFamily="34" charset="0"/>
+              <a:buChar char="•"/>
+            </a:pPr>
+            <a:r>
+              <a:rPr lang="de-DE" sz="1400" b="1" i="0" dirty="0">
+                <a:solidFill>
+                  <a:schemeClr val="bg2">
+                    <a:lumMod val="25000"/>
+                  </a:schemeClr>
+                </a:solidFill>
+                <a:effectLst/>
+              </a:rPr>
+              <a:t>„Hoher Mobile Traffic“</a:t>
+            </a:r>
+            <a:r>
+              <a:rPr lang="de-DE" sz="1400" b="0" i="0" dirty="0">
+                <a:solidFill>
+                  <a:schemeClr val="bg2">
+                    <a:lumMod val="25000"/>
+                  </a:schemeClr>
+                </a:solidFill>
+                <a:effectLst/>
+              </a:rPr>
+              <a:t>: Mobilnutzung (140,6)</a:t>
+            </a:r>
+          </a:p>
+          <a:p>
+            <a:pPr algn="l">
+              <a:buFont typeface="Arial" panose="020B0604020202020204" pitchFamily="34" charset="0"/>
+              <a:buChar char="•"/>
+            </a:pPr>
+            <a:r>
+              <a:rPr lang="de-DE" sz="1400" b="1" i="0" dirty="0">
+                <a:solidFill>
+                  <a:schemeClr val="bg2">
+                    <a:lumMod val="25000"/>
+                  </a:schemeClr>
+                </a:solidFill>
+                <a:effectLst/>
+              </a:rPr>
+              <a:t>„Stark engagierte Nutzer“</a:t>
+            </a:r>
+            <a:r>
+              <a:rPr lang="de-DE" sz="1400" b="0" i="0" dirty="0">
+                <a:solidFill>
+                  <a:schemeClr val="bg2">
+                    <a:lumMod val="25000"/>
+                  </a:schemeClr>
+                </a:solidFill>
+                <a:effectLst/>
+              </a:rPr>
+              <a:t>: Seitenaufrufe (252,9), Verweildauer (147,5 Sek.), Seiten/Sitzung (12,6)</a:t>
+            </a:r>
+          </a:p>
+          <a:p>
+            <a:pPr algn="l">
+              <a:buFont typeface="Arial" panose="020B0604020202020204" pitchFamily="34" charset="0"/>
+              <a:buChar char="•"/>
+            </a:pPr>
+            <a:r>
+              <a:rPr lang="de-DE" sz="1400" b="1" i="0" dirty="0">
+                <a:solidFill>
+                  <a:schemeClr val="bg2">
+                    <a:lumMod val="25000"/>
+                  </a:schemeClr>
+                </a:solidFill>
+                <a:effectLst/>
+              </a:rPr>
+              <a:t>„Moderates Engagement“</a:t>
+            </a:r>
+            <a:r>
+              <a:rPr lang="de-DE" sz="1400" b="0" i="0" dirty="0">
+                <a:solidFill>
+                  <a:schemeClr val="bg2">
+                    <a:lumMod val="25000"/>
+                  </a:schemeClr>
+                </a:solidFill>
+                <a:effectLst/>
+              </a:rPr>
+              <a:t>: ~90 Seitenaufrufe, ~90 Sek. Verweildauer</a:t>
+            </a:r>
+          </a:p>
+        </p:txBody>
+      </p:sp>
+    </p:spTree>
+    <p:extLst>
+      <p:ext uri="{BB962C8B-B14F-4D97-AF65-F5344CB8AC3E}">
+        <p14:creationId xmlns:p14="http://schemas.microsoft.com/office/powerpoint/2010/main" val="3407856865"/>
+      </p:ext>
+    </p:extLst>
+  </p:cSld>
+  <p:clrMapOvr>
+    <a:masterClrMapping/>
+  </p:clrMapOvr>
+</p:sld>
+</file>
+
+<file path=ppt/slides/slide12.xml><?xml version="1.0" encoding="utf-8"?>
+<p:sld xmlns:a="http://schemas.openxmlformats.org/drawingml/2006/main" xmlns:r="http://schemas.openxmlformats.org/officeDocument/2006/relationships" xmlns:p="http://schemas.openxmlformats.org/presentationml/2006/main">
+  <p:cSld>
+    <p:spTree>
+      <p:nvGrpSpPr>
+        <p:cNvPr id="1" name=""/>
+        <p:cNvGrpSpPr/>
+        <p:nvPr/>
+      </p:nvGrpSpPr>
+      <p:grpSpPr>
+        <a:xfrm>
+          <a:off x="0" y="0"/>
+          <a:ext cx="0" cy="0"/>
+          <a:chOff x="0" y="0"/>
+          <a:chExt cx="0" cy="0"/>
+        </a:xfrm>
+      </p:grpSpPr>
+      <p:pic>
+        <p:nvPicPr>
+          <p:cNvPr id="3" name="Grafik 2">
+            <a:extLst>
+              <a:ext uri="{FF2B5EF4-FFF2-40B4-BE49-F238E27FC236}">
+                <a16:creationId xmlns:a16="http://schemas.microsoft.com/office/drawing/2014/main" id="{9897DFFF-5D8B-0E0F-2D9A-C6EAE69C8807}"/>
+              </a:ext>
+            </a:extLst>
+          </p:cNvPr>
+          <p:cNvPicPr>
+            <a:picLocks noChangeAspect="1"/>
+          </p:cNvPicPr>
+          <p:nvPr/>
+        </p:nvPicPr>
+        <p:blipFill>
+          <a:blip r:embed="rId3"/>
+          <a:stretch>
+            <a:fillRect/>
+          </a:stretch>
+        </p:blipFill>
+        <p:spPr>
+          <a:xfrm>
+            <a:off x="7018215" y="0"/>
+            <a:ext cx="5173785" cy="3953331"/>
+          </a:xfrm>
+          <a:prstGeom prst="rect">
+            <a:avLst/>
+          </a:prstGeom>
+        </p:spPr>
+      </p:pic>
+      <p:pic>
+        <p:nvPicPr>
+          <p:cNvPr id="5" name="Grafik 4">
+            <a:extLst>
+              <a:ext uri="{FF2B5EF4-FFF2-40B4-BE49-F238E27FC236}">
+                <a16:creationId xmlns:a16="http://schemas.microsoft.com/office/drawing/2014/main" id="{526C4AB1-4167-1CBD-7D22-1615288A4B0A}"/>
+              </a:ext>
+            </a:extLst>
+          </p:cNvPr>
+          <p:cNvPicPr>
+            <a:picLocks noChangeAspect="1"/>
+          </p:cNvPicPr>
+          <p:nvPr/>
+        </p:nvPicPr>
+        <p:blipFill>
+          <a:blip r:embed="rId4"/>
+          <a:stretch>
+            <a:fillRect/>
+          </a:stretch>
+        </p:blipFill>
+        <p:spPr>
+          <a:xfrm>
+            <a:off x="124316" y="108528"/>
+            <a:ext cx="4899860" cy="3949053"/>
+          </a:xfrm>
+          <a:prstGeom prst="rect">
+            <a:avLst/>
+          </a:prstGeom>
+        </p:spPr>
+      </p:pic>
+      <p:sp>
+        <p:nvSpPr>
+          <p:cNvPr id="7" name="Textfeld 6">
+            <a:extLst>
+              <a:ext uri="{FF2B5EF4-FFF2-40B4-BE49-F238E27FC236}">
+                <a16:creationId xmlns:a16="http://schemas.microsoft.com/office/drawing/2014/main" id="{C6BC44C3-9A62-AB4B-2B81-1A4FB4B3112D}"/>
+              </a:ext>
+            </a:extLst>
+          </p:cNvPr>
+          <p:cNvSpPr txBox="1"/>
+          <p:nvPr/>
+        </p:nvSpPr>
+        <p:spPr>
+          <a:xfrm>
+            <a:off x="0" y="4071816"/>
+            <a:ext cx="12098215" cy="2677656"/>
+          </a:xfrm>
+          <a:prstGeom prst="rect">
+            <a:avLst/>
+          </a:prstGeom>
+          <a:noFill/>
+        </p:spPr>
+        <p:txBody>
+          <a:bodyPr wrap="square">
+            <a:spAutoFit/>
+          </a:bodyPr>
+          <a:lstStyle/>
+          <a:p>
+            <a:pPr algn="l">
+              <a:buFont typeface="Arial" panose="020B0604020202020204" pitchFamily="34" charset="0"/>
+              <a:buChar char="•"/>
+            </a:pPr>
+            <a:r>
+              <a:rPr lang="de-DE" sz="1400" b="1" i="0" dirty="0">
+                <a:solidFill>
+                  <a:schemeClr val="bg2">
+                    <a:lumMod val="25000"/>
+                  </a:schemeClr>
+                </a:solidFill>
+                <a:effectLst/>
+              </a:rPr>
+              <a:t>„Desktop Nutzer, hohe Aktivität“</a:t>
+            </a:r>
+            <a:r>
+              <a:rPr lang="de-DE" sz="1400" b="0" i="0" dirty="0">
+                <a:solidFill>
+                  <a:schemeClr val="bg2">
+                    <a:lumMod val="25000"/>
+                  </a:schemeClr>
+                </a:solidFill>
+                <a:effectLst/>
+              </a:rPr>
+              <a:t>: viele Seitenaufrufe (284,5), hohe Desktop-Nutzung (162,9), lange Verweildauer (130 Sek.)</a:t>
+            </a:r>
+          </a:p>
+          <a:p>
+            <a:pPr algn="l">
+              <a:buFont typeface="Arial" panose="020B0604020202020204" pitchFamily="34" charset="0"/>
+              <a:buChar char="•"/>
+            </a:pPr>
+            <a:r>
+              <a:rPr lang="de-DE" sz="1400" b="1" i="0" dirty="0">
+                <a:solidFill>
+                  <a:schemeClr val="bg2">
+                    <a:lumMod val="25000"/>
+                  </a:schemeClr>
+                </a:solidFill>
+                <a:effectLst/>
+              </a:rPr>
+              <a:t>„Mobile Nutzer, hohe Verweildauer“</a:t>
+            </a:r>
+            <a:r>
+              <a:rPr lang="de-DE" sz="1400" b="0" i="0" dirty="0">
+                <a:solidFill>
+                  <a:schemeClr val="bg2">
+                    <a:lumMod val="25000"/>
+                  </a:schemeClr>
+                </a:solidFill>
+                <a:effectLst/>
+              </a:rPr>
+              <a:t>: Seitenaufrufe (90,6), überwiegend mobile Geräte (48,6), Verweildauer 98 Sek.</a:t>
+            </a:r>
+          </a:p>
+          <a:p>
+            <a:pPr algn="l">
+              <a:buFont typeface="Arial" panose="020B0604020202020204" pitchFamily="34" charset="0"/>
+              <a:buChar char="•"/>
+            </a:pPr>
+            <a:r>
+              <a:rPr lang="de-DE" sz="1400" b="1" i="0" dirty="0">
+                <a:solidFill>
+                  <a:schemeClr val="bg2">
+                    <a:lumMod val="25000"/>
+                  </a:schemeClr>
+                </a:solidFill>
+                <a:effectLst/>
+              </a:rPr>
+              <a:t>„Geringe Nutzerzahl &amp; Traffic“</a:t>
+            </a:r>
+            <a:r>
+              <a:rPr lang="de-DE" sz="1400" b="0" i="0" dirty="0">
+                <a:solidFill>
+                  <a:schemeClr val="bg2">
+                    <a:lumMod val="25000"/>
+                  </a:schemeClr>
+                </a:solidFill>
+                <a:effectLst/>
+              </a:rPr>
+              <a:t>: Nutzerzahl (26,4), Sitzungen über Google/</a:t>
+            </a:r>
+            <a:r>
+              <a:rPr lang="de-DE" sz="1400" b="0" i="0" dirty="0" err="1">
+                <a:solidFill>
+                  <a:schemeClr val="bg2">
+                    <a:lumMod val="25000"/>
+                  </a:schemeClr>
+                </a:solidFill>
+                <a:effectLst/>
+              </a:rPr>
+              <a:t>Direct</a:t>
+            </a:r>
+            <a:r>
+              <a:rPr lang="de-DE" sz="1400" b="0" i="0" dirty="0">
+                <a:solidFill>
+                  <a:schemeClr val="bg2">
+                    <a:lumMod val="25000"/>
+                  </a:schemeClr>
+                </a:solidFill>
+                <a:effectLst/>
+              </a:rPr>
+              <a:t> (~12/~10)</a:t>
+            </a:r>
+          </a:p>
+          <a:p>
+            <a:pPr algn="l">
+              <a:buFont typeface="Arial" panose="020B0604020202020204" pitchFamily="34" charset="0"/>
+              <a:buChar char="•"/>
+            </a:pPr>
+            <a:r>
+              <a:rPr lang="de-DE" sz="1400" b="1" i="0" dirty="0">
+                <a:solidFill>
+                  <a:schemeClr val="bg2">
+                    <a:lumMod val="25000"/>
+                  </a:schemeClr>
+                </a:solidFill>
+                <a:effectLst/>
+              </a:rPr>
+              <a:t>„Hoher Traffic &amp; Engagement“</a:t>
+            </a:r>
+            <a:r>
+              <a:rPr lang="de-DE" sz="1400" b="0" i="0" dirty="0">
+                <a:solidFill>
+                  <a:schemeClr val="bg2">
+                    <a:lumMod val="25000"/>
+                  </a:schemeClr>
+                </a:solidFill>
+                <a:effectLst/>
+              </a:rPr>
+              <a:t>: Nutzer (76,1), Google-Traffic (55,8), Events (55,6)</a:t>
+            </a:r>
+          </a:p>
+          <a:p>
+            <a:pPr algn="l">
+              <a:buFont typeface="Arial" panose="020B0604020202020204" pitchFamily="34" charset="0"/>
+              <a:buChar char="•"/>
+            </a:pPr>
+            <a:r>
+              <a:rPr lang="de-DE" sz="1400" b="1" i="0" dirty="0">
+                <a:solidFill>
+                  <a:schemeClr val="bg2">
+                    <a:lumMod val="25000"/>
+                  </a:schemeClr>
+                </a:solidFill>
+                <a:effectLst/>
+              </a:rPr>
+              <a:t>„Kurze bis mittlere Verweildauer“</a:t>
+            </a:r>
+            <a:r>
+              <a:rPr lang="de-DE" sz="1400" b="0" i="0" dirty="0">
+                <a:solidFill>
+                  <a:schemeClr val="bg2">
+                    <a:lumMod val="25000"/>
+                  </a:schemeClr>
+                </a:solidFill>
+                <a:effectLst/>
+              </a:rPr>
+              <a:t>: Verweildauer (109 Sek.), Nutzer (28,6), Seiten/Sitzung (5,5)</a:t>
+            </a:r>
+          </a:p>
+          <a:p>
+            <a:pPr algn="l">
+              <a:buFont typeface="Arial" panose="020B0604020202020204" pitchFamily="34" charset="0"/>
+              <a:buChar char="•"/>
+            </a:pPr>
+            <a:r>
+              <a:rPr lang="de-DE" sz="1400" b="1" i="0" dirty="0">
+                <a:solidFill>
+                  <a:schemeClr val="bg2">
+                    <a:lumMod val="25000"/>
+                  </a:schemeClr>
+                </a:solidFill>
+                <a:effectLst/>
+              </a:rPr>
+              <a:t>„Hohe Nutzerzahl mit schnellen Aktionen“</a:t>
+            </a:r>
+            <a:r>
+              <a:rPr lang="de-DE" sz="1400" b="0" i="0" dirty="0">
+                <a:solidFill>
+                  <a:schemeClr val="bg2">
+                    <a:lumMod val="25000"/>
+                  </a:schemeClr>
+                </a:solidFill>
+                <a:effectLst/>
+              </a:rPr>
+              <a:t>: Nutzer (78,1), Verweildauer (95 Sek.), Events (59,4)</a:t>
+            </a:r>
+          </a:p>
+          <a:p>
+            <a:pPr algn="l">
+              <a:buFont typeface="Arial" panose="020B0604020202020204" pitchFamily="34" charset="0"/>
+              <a:buChar char="•"/>
+            </a:pPr>
+            <a:r>
+              <a:rPr lang="de-DE" sz="1400" b="1" i="0" dirty="0">
+                <a:solidFill>
+                  <a:schemeClr val="bg2">
+                    <a:lumMod val="25000"/>
+                  </a:schemeClr>
+                </a:solidFill>
+                <a:effectLst/>
+              </a:rPr>
+              <a:t>„Intensive Nutzung“</a:t>
+            </a:r>
+            <a:r>
+              <a:rPr lang="de-DE" sz="1400" b="0" i="0" dirty="0">
+                <a:solidFill>
+                  <a:schemeClr val="bg2">
+                    <a:lumMod val="25000"/>
+                  </a:schemeClr>
+                </a:solidFill>
+                <a:effectLst/>
+              </a:rPr>
+              <a:t>: sehr lange Verweildauer (471 Sek.), wenige Nutzer (2,2)</a:t>
+            </a:r>
+          </a:p>
+          <a:p>
+            <a:pPr algn="l">
+              <a:buFont typeface="Arial" panose="020B0604020202020204" pitchFamily="34" charset="0"/>
+              <a:buChar char="•"/>
+            </a:pPr>
+            <a:r>
+              <a:rPr lang="de-DE" sz="1400" b="1" i="0" dirty="0">
+                <a:solidFill>
+                  <a:schemeClr val="bg2">
+                    <a:lumMod val="25000"/>
+                  </a:schemeClr>
+                </a:solidFill>
+                <a:effectLst/>
+              </a:rPr>
+              <a:t>„Dominant Desktop Traffic“</a:t>
+            </a:r>
+            <a:r>
+              <a:rPr lang="de-DE" sz="1400" b="0" i="0" dirty="0">
+                <a:solidFill>
+                  <a:schemeClr val="bg2">
+                    <a:lumMod val="25000"/>
+                  </a:schemeClr>
+                </a:solidFill>
+                <a:effectLst/>
+              </a:rPr>
+              <a:t>: Desktop-Anteil (388,4)</a:t>
+            </a:r>
+          </a:p>
+          <a:p>
+            <a:pPr algn="l">
+              <a:buFont typeface="Arial" panose="020B0604020202020204" pitchFamily="34" charset="0"/>
+              <a:buChar char="•"/>
+            </a:pPr>
+            <a:r>
+              <a:rPr lang="de-DE" sz="1400" b="1" i="0" dirty="0">
+                <a:solidFill>
+                  <a:schemeClr val="bg2">
+                    <a:lumMod val="25000"/>
+                  </a:schemeClr>
+                </a:solidFill>
+                <a:effectLst/>
+              </a:rPr>
+              <a:t>„Ausgewogener Mobile/Desktop Traffic“</a:t>
+            </a:r>
+            <a:r>
+              <a:rPr lang="de-DE" sz="1400" b="0" i="0" dirty="0">
+                <a:solidFill>
+                  <a:schemeClr val="bg2">
+                    <a:lumMod val="25000"/>
+                  </a:schemeClr>
+                </a:solidFill>
+                <a:effectLst/>
+              </a:rPr>
+              <a:t>: Mobile (46,7), Desktop (43,8)</a:t>
+            </a:r>
+          </a:p>
+          <a:p>
+            <a:pPr algn="l">
+              <a:buFont typeface="Arial" panose="020B0604020202020204" pitchFamily="34" charset="0"/>
+              <a:buChar char="•"/>
+            </a:pPr>
+            <a:r>
+              <a:rPr lang="de-DE" sz="1400" b="1" i="0" dirty="0">
+                <a:solidFill>
+                  <a:schemeClr val="bg2">
+                    <a:lumMod val="25000"/>
+                  </a:schemeClr>
+                </a:solidFill>
+                <a:effectLst/>
+              </a:rPr>
+              <a:t>„Hoher Mobile Traffic“</a:t>
+            </a:r>
+            <a:r>
+              <a:rPr lang="de-DE" sz="1400" b="0" i="0" dirty="0">
+                <a:solidFill>
+                  <a:schemeClr val="bg2">
+                    <a:lumMod val="25000"/>
+                  </a:schemeClr>
+                </a:solidFill>
+                <a:effectLst/>
+              </a:rPr>
+              <a:t>: Mobilnutzung (140,6)</a:t>
+            </a:r>
+          </a:p>
+          <a:p>
+            <a:pPr algn="l">
+              <a:buFont typeface="Arial" panose="020B0604020202020204" pitchFamily="34" charset="0"/>
+              <a:buChar char="•"/>
+            </a:pPr>
+            <a:r>
+              <a:rPr lang="de-DE" sz="1400" b="1" i="0" dirty="0">
+                <a:solidFill>
+                  <a:schemeClr val="bg2">
+                    <a:lumMod val="25000"/>
+                  </a:schemeClr>
+                </a:solidFill>
+                <a:effectLst/>
+              </a:rPr>
+              <a:t>„Stark engagierte Nutzer“</a:t>
+            </a:r>
+            <a:r>
+              <a:rPr lang="de-DE" sz="1400" b="0" i="0" dirty="0">
+                <a:solidFill>
+                  <a:schemeClr val="bg2">
+                    <a:lumMod val="25000"/>
+                  </a:schemeClr>
+                </a:solidFill>
+                <a:effectLst/>
+              </a:rPr>
+              <a:t>: Seitenaufrufe (252,9), Verweildauer (147,5 Sek.), Seiten/Sitzung (12,6)</a:t>
+            </a:r>
+          </a:p>
+          <a:p>
+            <a:pPr algn="l">
+              <a:buFont typeface="Arial" panose="020B0604020202020204" pitchFamily="34" charset="0"/>
+              <a:buChar char="•"/>
+            </a:pPr>
+            <a:r>
+              <a:rPr lang="de-DE" sz="1400" b="1" i="0" dirty="0">
+                <a:solidFill>
+                  <a:schemeClr val="bg2">
+                    <a:lumMod val="25000"/>
+                  </a:schemeClr>
+                </a:solidFill>
+                <a:effectLst/>
+              </a:rPr>
+              <a:t>„Moderates Engagement“</a:t>
+            </a:r>
+            <a:r>
+              <a:rPr lang="de-DE" sz="1400" b="0" i="0" dirty="0">
+                <a:solidFill>
+                  <a:schemeClr val="bg2">
+                    <a:lumMod val="25000"/>
+                  </a:schemeClr>
+                </a:solidFill>
+                <a:effectLst/>
+              </a:rPr>
+              <a:t>: ~90 Seitenaufrufe, ~90 Sek. Verweildauer</a:t>
+            </a:r>
+          </a:p>
+        </p:txBody>
+      </p:sp>
+      <p:sp>
+        <p:nvSpPr>
+          <p:cNvPr id="11" name="Textfeld 10">
+            <a:extLst>
+              <a:ext uri="{FF2B5EF4-FFF2-40B4-BE49-F238E27FC236}">
+                <a16:creationId xmlns:a16="http://schemas.microsoft.com/office/drawing/2014/main" id="{3737580B-611A-E674-2C79-AD44F60DA2A2}"/>
+              </a:ext>
+            </a:extLst>
+          </p:cNvPr>
+          <p:cNvSpPr txBox="1"/>
+          <p:nvPr/>
+        </p:nvSpPr>
+        <p:spPr>
+          <a:xfrm>
+            <a:off x="5274656" y="464265"/>
+            <a:ext cx="1914210" cy="1184042"/>
+          </a:xfrm>
+          <a:prstGeom prst="rect">
+            <a:avLst/>
+          </a:prstGeom>
+          <a:noFill/>
+        </p:spPr>
+        <p:txBody>
+          <a:bodyPr wrap="square">
+            <a:spAutoFit/>
+          </a:bodyPr>
+          <a:lstStyle/>
+          <a:p>
+            <a:pPr>
+              <a:lnSpc>
+                <a:spcPts val="1425"/>
+              </a:lnSpc>
+              <a:buNone/>
+            </a:pPr>
+            <a:r>
+              <a:rPr lang="de-DE" b="1" dirty="0">
+                <a:solidFill>
+                  <a:schemeClr val="bg2">
+                    <a:lumMod val="25000"/>
+                  </a:schemeClr>
+                </a:solidFill>
+                <a:effectLst/>
+                <a:latin typeface="Consolas" panose="020B0609020204030204" pitchFamily="49" charset="0"/>
+              </a:rPr>
+              <a:t>Zeitliche Muster in Clusterverhalten: Wochentage &amp; Feiertage</a:t>
+            </a:r>
+            <a:endParaRPr lang="de-DE" b="0" dirty="0">
+              <a:solidFill>
+                <a:schemeClr val="bg2">
+                  <a:lumMod val="25000"/>
+                </a:schemeClr>
+              </a:solidFill>
+              <a:effectLst/>
+              <a:latin typeface="Consolas" panose="020B0609020204030204" pitchFamily="49" charset="0"/>
+            </a:endParaRPr>
+          </a:p>
+        </p:txBody>
+      </p:sp>
+    </p:spTree>
+    <p:extLst>
+      <p:ext uri="{BB962C8B-B14F-4D97-AF65-F5344CB8AC3E}">
+        <p14:creationId xmlns:p14="http://schemas.microsoft.com/office/powerpoint/2010/main" val="2649216444"/>
+      </p:ext>
+    </p:extLst>
+  </p:cSld>
+  <p:clrMapOvr>
+    <a:masterClrMapping/>
+  </p:clrMapOvr>
+</p:sld>
+</file>
+
+<file path=ppt/slides/slide13.xml><?xml version="1.0" encoding="utf-8"?>
+<p:sld xmlns:a="http://schemas.openxmlformats.org/drawingml/2006/main" xmlns:r="http://schemas.openxmlformats.org/officeDocument/2006/relationships" xmlns:p="http://schemas.openxmlformats.org/presentationml/2006/main">
+  <p:cSld>
+    <p:spTree>
+      <p:nvGrpSpPr>
+        <p:cNvPr id="1" name=""/>
+        <p:cNvGrpSpPr/>
+        <p:nvPr/>
+      </p:nvGrpSpPr>
+      <p:grpSpPr>
+        <a:xfrm>
+          <a:off x="0" y="0"/>
+          <a:ext cx="0" cy="0"/>
+          <a:chOff x="0" y="0"/>
+          <a:chExt cx="0" cy="0"/>
+        </a:xfrm>
+      </p:grpSpPr>
       <p:sp>
         <p:nvSpPr>
           <p:cNvPr id="5" name="Textfeld 4">
@@ -8296,7 +9705,7 @@
 </p:sld>
 </file>
 
-<file path=ppt/slides/slide12.xml><?xml version="1.0" encoding="utf-8"?>
+<file path=ppt/slides/slide14.xml><?xml version="1.0" encoding="utf-8"?>
 <p:sld xmlns:a="http://schemas.openxmlformats.org/drawingml/2006/main" xmlns:r="http://schemas.openxmlformats.org/officeDocument/2006/relationships" xmlns:p="http://schemas.openxmlformats.org/presentationml/2006/main">
   <p:cSld>
     <p:spTree>
@@ -8397,7 +9806,7 @@
 </p:sld>
 </file>
 
-<file path=ppt/slides/slide13.xml><?xml version="1.0" encoding="utf-8"?>
+<file path=ppt/slides/slide15.xml><?xml version="1.0" encoding="utf-8"?>
 <p:sld xmlns:a="http://schemas.openxmlformats.org/drawingml/2006/main" xmlns:r="http://schemas.openxmlformats.org/officeDocument/2006/relationships" xmlns:p="http://schemas.openxmlformats.org/presentationml/2006/main">
   <p:cSld>
     <p:spTree>
@@ -8788,7 +10197,7 @@
 </p:sld>
 </file>
 
-<file path=ppt/slides/slide14.xml><?xml version="1.0" encoding="utf-8"?>
+<file path=ppt/slides/slide16.xml><?xml version="1.0" encoding="utf-8"?>
 <p:sld xmlns:a="http://schemas.openxmlformats.org/drawingml/2006/main" xmlns:r="http://schemas.openxmlformats.org/officeDocument/2006/relationships" xmlns:p="http://schemas.openxmlformats.org/presentationml/2006/main">
   <p:cSld>
     <p:spTree>
@@ -9108,7 +10517,7 @@
 </p:sld>
 </file>
 
-<file path=ppt/slides/slide15.xml><?xml version="1.0" encoding="utf-8"?>
+<file path=ppt/slides/slide17.xml><?xml version="1.0" encoding="utf-8"?>
 <p:sld xmlns:a="http://schemas.openxmlformats.org/drawingml/2006/main" xmlns:r="http://schemas.openxmlformats.org/officeDocument/2006/relationships" xmlns:p="http://schemas.openxmlformats.org/presentationml/2006/main">
   <p:cSld>
     <p:spTree>
@@ -9240,7 +10649,7 @@
 </p:sld>
 </file>
 
-<file path=ppt/slides/slide16.xml><?xml version="1.0" encoding="utf-8"?>
+<file path=ppt/slides/slide18.xml><?xml version="1.0" encoding="utf-8"?>
 <p:sld xmlns:a="http://schemas.openxmlformats.org/drawingml/2006/main" xmlns:r="http://schemas.openxmlformats.org/officeDocument/2006/relationships" xmlns:p="http://schemas.openxmlformats.org/presentationml/2006/main">
   <p:cSld>
     <p:spTree>
@@ -10078,7 +11487,7 @@
 </p:sld>
 </file>
 
-<file path=ppt/slides/slide17.xml><?xml version="1.0" encoding="utf-8"?>
+<file path=ppt/slides/slide19.xml><?xml version="1.0" encoding="utf-8"?>
 <p:sld xmlns:a="http://schemas.openxmlformats.org/drawingml/2006/main" xmlns:r="http://schemas.openxmlformats.org/officeDocument/2006/relationships" xmlns:p="http://schemas.openxmlformats.org/presentationml/2006/main">
   <p:cSld>
     <p:spTree>
@@ -12269,7 +13678,7 @@
         <p:spPr>
           <a:xfrm>
             <a:off x="1482111" y="1718012"/>
-            <a:ext cx="9227778" cy="815351"/>
+            <a:ext cx="9227778" cy="1174424"/>
           </a:xfrm>
           <a:prstGeom prst="rect">
             <a:avLst/>
@@ -12281,6 +13690,33 @@
             <a:spAutoFit/>
           </a:bodyPr>
           <a:lstStyle/>
+          <a:p>
+            <a:pPr algn="ctr">
+              <a:lnSpc>
+                <a:spcPts val="1425"/>
+              </a:lnSpc>
+            </a:pPr>
+            <a:r>
+              <a:rPr lang="de-DE" sz="1400" b="1" dirty="0"/>
+              <a:t>Fragestellung:  „Welche Nutzungsmuster zeigt die Website an verschiedenen Tagen?“</a:t>
+            </a:r>
+          </a:p>
+          <a:p>
+            <a:pPr>
+              <a:lnSpc>
+                <a:spcPts val="1425"/>
+              </a:lnSpc>
+              <a:buNone/>
+            </a:pPr>
+            <a:endParaRPr lang="de-DE" sz="1400" dirty="0">
+              <a:solidFill>
+                <a:schemeClr val="tx1">
+                  <a:lumMod val="75000"/>
+                  <a:lumOff val="25000"/>
+                </a:schemeClr>
+              </a:solidFill>
+            </a:endParaRPr>
+          </a:p>
           <a:p>
             <a:pPr>
               <a:lnSpc>
